--- a/txt/아이디어.pptx
+++ b/txt/아이디어.pptx
@@ -2,24 +2,26 @@
 <file path=ppt/presentation.xml><?xml version="1.0" encoding="utf-8"?>
 <p:presentation xmlns:a="http://schemas.openxmlformats.org/drawingml/2006/main" xmlns:r="http://schemas.openxmlformats.org/officeDocument/2006/relationships" xmlns:p="http://schemas.openxmlformats.org/presentationml/2006/main" saveSubsetFonts="1">
   <p:sldMasterIdLst>
-    <p:sldMasterId id="2147483648" r:id="rId1"/>
+    <p:sldMasterId id="2147483660" r:id="rId1"/>
   </p:sldMasterIdLst>
   <p:notesMasterIdLst>
-    <p:notesMasterId r:id="rId6"/>
+    <p:notesMasterId r:id="rId8"/>
   </p:notesMasterIdLst>
   <p:sldIdLst>
     <p:sldId id="256" r:id="rId2"/>
     <p:sldId id="257" r:id="rId3"/>
     <p:sldId id="258" r:id="rId4"/>
     <p:sldId id="259" r:id="rId5"/>
+    <p:sldId id="260" r:id="rId6"/>
+    <p:sldId id="261" r:id="rId7"/>
   </p:sldIdLst>
   <p:sldSz cx="12192000" cy="6858000"/>
   <p:notesSz cx="6858000" cy="9144000"/>
   <p:defaultTextStyle>
     <a:defPPr>
-      <a:defRPr lang="ko-KR"/>
+      <a:defRPr lang="en-US"/>
     </a:defPPr>
-    <a:lvl1pPr marL="0" algn="l" defTabSz="914400" rtl="0" eaLnBrk="1" latinLnBrk="1" hangingPunct="1">
+    <a:lvl1pPr marL="0" algn="l" defTabSz="914400" rtl="0" eaLnBrk="1" latinLnBrk="0" hangingPunct="1">
       <a:defRPr sz="1800" kern="1200">
         <a:solidFill>
           <a:schemeClr val="tx1"/>
@@ -29,7 +31,7 @@
         <a:cs typeface="+mn-cs"/>
       </a:defRPr>
     </a:lvl1pPr>
-    <a:lvl2pPr marL="457200" algn="l" defTabSz="914400" rtl="0" eaLnBrk="1" latinLnBrk="1" hangingPunct="1">
+    <a:lvl2pPr marL="457200" algn="l" defTabSz="914400" rtl="0" eaLnBrk="1" latinLnBrk="0" hangingPunct="1">
       <a:defRPr sz="1800" kern="1200">
         <a:solidFill>
           <a:schemeClr val="tx1"/>
@@ -39,7 +41,7 @@
         <a:cs typeface="+mn-cs"/>
       </a:defRPr>
     </a:lvl2pPr>
-    <a:lvl3pPr marL="914400" algn="l" defTabSz="914400" rtl="0" eaLnBrk="1" latinLnBrk="1" hangingPunct="1">
+    <a:lvl3pPr marL="914400" algn="l" defTabSz="914400" rtl="0" eaLnBrk="1" latinLnBrk="0" hangingPunct="1">
       <a:defRPr sz="1800" kern="1200">
         <a:solidFill>
           <a:schemeClr val="tx1"/>
@@ -49,7 +51,7 @@
         <a:cs typeface="+mn-cs"/>
       </a:defRPr>
     </a:lvl3pPr>
-    <a:lvl4pPr marL="1371600" algn="l" defTabSz="914400" rtl="0" eaLnBrk="1" latinLnBrk="1" hangingPunct="1">
+    <a:lvl4pPr marL="1371600" algn="l" defTabSz="914400" rtl="0" eaLnBrk="1" latinLnBrk="0" hangingPunct="1">
       <a:defRPr sz="1800" kern="1200">
         <a:solidFill>
           <a:schemeClr val="tx1"/>
@@ -59,7 +61,7 @@
         <a:cs typeface="+mn-cs"/>
       </a:defRPr>
     </a:lvl4pPr>
-    <a:lvl5pPr marL="1828800" algn="l" defTabSz="914400" rtl="0" eaLnBrk="1" latinLnBrk="1" hangingPunct="1">
+    <a:lvl5pPr marL="1828800" algn="l" defTabSz="914400" rtl="0" eaLnBrk="1" latinLnBrk="0" hangingPunct="1">
       <a:defRPr sz="1800" kern="1200">
         <a:solidFill>
           <a:schemeClr val="tx1"/>
@@ -69,7 +71,7 @@
         <a:cs typeface="+mn-cs"/>
       </a:defRPr>
     </a:lvl5pPr>
-    <a:lvl6pPr marL="2286000" algn="l" defTabSz="914400" rtl="0" eaLnBrk="1" latinLnBrk="1" hangingPunct="1">
+    <a:lvl6pPr marL="2286000" algn="l" defTabSz="914400" rtl="0" eaLnBrk="1" latinLnBrk="0" hangingPunct="1">
       <a:defRPr sz="1800" kern="1200">
         <a:solidFill>
           <a:schemeClr val="tx1"/>
@@ -79,7 +81,7 @@
         <a:cs typeface="+mn-cs"/>
       </a:defRPr>
     </a:lvl6pPr>
-    <a:lvl7pPr marL="2743200" algn="l" defTabSz="914400" rtl="0" eaLnBrk="1" latinLnBrk="1" hangingPunct="1">
+    <a:lvl7pPr marL="2743200" algn="l" defTabSz="914400" rtl="0" eaLnBrk="1" latinLnBrk="0" hangingPunct="1">
       <a:defRPr sz="1800" kern="1200">
         <a:solidFill>
           <a:schemeClr val="tx1"/>
@@ -89,7 +91,7 @@
         <a:cs typeface="+mn-cs"/>
       </a:defRPr>
     </a:lvl7pPr>
-    <a:lvl8pPr marL="3200400" algn="l" defTabSz="914400" rtl="0" eaLnBrk="1" latinLnBrk="1" hangingPunct="1">
+    <a:lvl8pPr marL="3200400" algn="l" defTabSz="914400" rtl="0" eaLnBrk="1" latinLnBrk="0" hangingPunct="1">
       <a:defRPr sz="1800" kern="1200">
         <a:solidFill>
           <a:schemeClr val="tx1"/>
@@ -99,7 +101,7 @@
         <a:cs typeface="+mn-cs"/>
       </a:defRPr>
     </a:lvl8pPr>
-    <a:lvl9pPr marL="3657600" algn="l" defTabSz="914400" rtl="0" eaLnBrk="1" latinLnBrk="1" hangingPunct="1">
+    <a:lvl9pPr marL="3657600" algn="l" defTabSz="914400" rtl="0" eaLnBrk="1" latinLnBrk="0" hangingPunct="1">
       <a:defRPr sz="1800" kern="1200">
         <a:solidFill>
           <a:schemeClr val="tx1"/>
@@ -110,6 +112,11 @@
       </a:defRPr>
     </a:lvl9pPr>
   </p:defaultTextStyle>
+  <p:extLst>
+    <p:ext uri="{EFAFB233-063F-42B5-8137-9DF3F51BA10A}">
+      <p15:sldGuideLst xmlns:p15="http://schemas.microsoft.com/office/powerpoint/2012/main"/>
+    </p:ext>
+  </p:extLst>
 </p:presentation>
 </file>
 
@@ -195,7 +202,7 @@
           <a:p>
             <a:fld id="{37BF8B17-16F7-4AA7-9577-3BCD868EBB46}" type="datetimeFigureOut">
               <a:rPr lang="ko-KR" altLang="en-US" smtClean="0"/>
-              <a:t>2021-12-28</a:t>
+              <a:t>2022-01-03</a:t>
             </a:fld>
             <a:endParaRPr lang="ko-KR" altLang="en-US"/>
           </a:p>
@@ -565,13 +572,7 @@
       </p:grpSpPr>
       <p:sp>
         <p:nvSpPr>
-          <p:cNvPr id="2" name="제목 1">
-            <a:extLst>
-              <a:ext uri="{FF2B5EF4-FFF2-40B4-BE49-F238E27FC236}">
-                <a16:creationId xmlns:a16="http://schemas.microsoft.com/office/drawing/2014/main" id="{72D6C043-9DA2-4DC4-92F9-45A96CE0F828}"/>
-              </a:ext>
-            </a:extLst>
-          </p:cNvPr>
+          <p:cNvPr id="2" name="Title 1"/>
           <p:cNvSpPr>
             <a:spLocks noGrp="1"/>
           </p:cNvSpPr>
@@ -581,12 +582,14 @@
         </p:nvSpPr>
         <p:spPr>
           <a:xfrm>
-            <a:off x="1524000" y="1122363"/>
+            <a:off x="1524000" y="1124530"/>
             <a:ext cx="9144000" cy="2387600"/>
           </a:xfrm>
         </p:spPr>
         <p:txBody>
-          <a:bodyPr anchor="b"/>
+          <a:bodyPr anchor="b">
+            <a:normAutofit/>
+          </a:bodyPr>
           <a:lstStyle>
             <a:lvl1pPr algn="ctr">
               <a:defRPr sz="6000"/>
@@ -597,18 +600,13 @@
               <a:rPr lang="ko-KR" altLang="en-US"/>
               <a:t>마스터 제목 스타일 편집</a:t>
             </a:r>
-          </a:p>
-        </p:txBody>
-      </p:sp>
-      <p:sp>
-        <p:nvSpPr>
-          <p:cNvPr id="3" name="부제목 2">
-            <a:extLst>
-              <a:ext uri="{FF2B5EF4-FFF2-40B4-BE49-F238E27FC236}">
-                <a16:creationId xmlns:a16="http://schemas.microsoft.com/office/drawing/2014/main" id="{4059498A-89DA-4622-812D-B62954B57448}"/>
-              </a:ext>
-            </a:extLst>
-          </p:cNvPr>
+            <a:endParaRPr lang="en-US" dirty="0"/>
+          </a:p>
+        </p:txBody>
+      </p:sp>
+      <p:sp>
+        <p:nvSpPr>
+          <p:cNvPr id="3" name="Subtitle 2"/>
           <p:cNvSpPr>
             <a:spLocks noGrp="1"/>
           </p:cNvSpPr>
@@ -623,43 +621,52 @@
           </a:xfrm>
         </p:spPr>
         <p:txBody>
-          <a:bodyPr/>
+          <a:bodyPr>
+            <a:normAutofit/>
+          </a:bodyPr>
           <a:lstStyle>
             <a:lvl1pPr marL="0" indent="0" algn="ctr">
               <a:buNone/>
-              <a:defRPr sz="2400"/>
+              <a:defRPr sz="2400">
+                <a:solidFill>
+                  <a:schemeClr val="tx1">
+                    <a:lumMod val="75000"/>
+                    <a:lumOff val="25000"/>
+                  </a:schemeClr>
+                </a:solidFill>
+              </a:defRPr>
             </a:lvl1pPr>
             <a:lvl2pPr marL="457200" indent="0" algn="ctr">
               <a:buNone/>
-              <a:defRPr sz="2000"/>
+              <a:defRPr sz="2800"/>
             </a:lvl2pPr>
             <a:lvl3pPr marL="914400" indent="0" algn="ctr">
               <a:buNone/>
-              <a:defRPr sz="1800"/>
+              <a:defRPr sz="2400"/>
             </a:lvl3pPr>
             <a:lvl4pPr marL="1371600" indent="0" algn="ctr">
               <a:buNone/>
-              <a:defRPr sz="1600"/>
+              <a:defRPr sz="2000"/>
             </a:lvl4pPr>
             <a:lvl5pPr marL="1828800" indent="0" algn="ctr">
               <a:buNone/>
-              <a:defRPr sz="1600"/>
+              <a:defRPr sz="2000"/>
             </a:lvl5pPr>
             <a:lvl6pPr marL="2286000" indent="0" algn="ctr">
               <a:buNone/>
-              <a:defRPr sz="1600"/>
+              <a:defRPr sz="2000"/>
             </a:lvl6pPr>
             <a:lvl7pPr marL="2743200" indent="0" algn="ctr">
               <a:buNone/>
-              <a:defRPr sz="1600"/>
+              <a:defRPr sz="2000"/>
             </a:lvl7pPr>
             <a:lvl8pPr marL="3200400" indent="0" algn="ctr">
               <a:buNone/>
-              <a:defRPr sz="1600"/>
+              <a:defRPr sz="2000"/>
             </a:lvl8pPr>
             <a:lvl9pPr marL="3657600" indent="0" algn="ctr">
               <a:buNone/>
-              <a:defRPr sz="1600"/>
+              <a:defRPr sz="2000"/>
             </a:lvl9pPr>
           </a:lstStyle>
           <a:p>
@@ -667,18 +674,13 @@
               <a:rPr lang="ko-KR" altLang="en-US"/>
               <a:t>클릭하여 마스터 부제목 스타일 편집</a:t>
             </a:r>
-          </a:p>
-        </p:txBody>
-      </p:sp>
-      <p:sp>
-        <p:nvSpPr>
-          <p:cNvPr id="4" name="날짜 개체 틀 3">
-            <a:extLst>
-              <a:ext uri="{FF2B5EF4-FFF2-40B4-BE49-F238E27FC236}">
-                <a16:creationId xmlns:a16="http://schemas.microsoft.com/office/drawing/2014/main" id="{B8F6E8D9-B22E-443C-8D7C-3E3B19720CC1}"/>
-              </a:ext>
-            </a:extLst>
-          </p:cNvPr>
+            <a:endParaRPr lang="en-US" dirty="0"/>
+          </a:p>
+        </p:txBody>
+      </p:sp>
+      <p:sp>
+        <p:nvSpPr>
+          <p:cNvPr id="4" name="Date Placeholder 3"/>
           <p:cNvSpPr>
             <a:spLocks noGrp="1"/>
           </p:cNvSpPr>
@@ -693,7 +695,7 @@
           <a:p>
             <a:fld id="{069E26FC-6306-4AAB-B239-0138570A854D}" type="datetimeFigureOut">
               <a:rPr lang="ko-KR" altLang="en-US" smtClean="0"/>
-              <a:t>2021-12-28</a:t>
+              <a:t>2022-01-03</a:t>
             </a:fld>
             <a:endParaRPr lang="ko-KR" altLang="en-US"/>
           </a:p>
@@ -701,13 +703,7 @@
       </p:sp>
       <p:sp>
         <p:nvSpPr>
-          <p:cNvPr id="5" name="바닥글 개체 틀 4">
-            <a:extLst>
-              <a:ext uri="{FF2B5EF4-FFF2-40B4-BE49-F238E27FC236}">
-                <a16:creationId xmlns:a16="http://schemas.microsoft.com/office/drawing/2014/main" id="{1753ADD7-E398-40AB-81E3-9D4DDCF46871}"/>
-              </a:ext>
-            </a:extLst>
-          </p:cNvPr>
+          <p:cNvPr id="5" name="Footer Placeholder 4"/>
           <p:cNvSpPr>
             <a:spLocks noGrp="1"/>
           </p:cNvSpPr>
@@ -726,13 +722,7 @@
       </p:sp>
       <p:sp>
         <p:nvSpPr>
-          <p:cNvPr id="6" name="슬라이드 번호 개체 틀 5">
-            <a:extLst>
-              <a:ext uri="{FF2B5EF4-FFF2-40B4-BE49-F238E27FC236}">
-                <a16:creationId xmlns:a16="http://schemas.microsoft.com/office/drawing/2014/main" id="{2DA758AD-0158-4B4A-9E51-521E259EBD3C}"/>
-              </a:ext>
-            </a:extLst>
-          </p:cNvPr>
+          <p:cNvPr id="6" name="Slide Number Placeholder 5"/>
           <p:cNvSpPr>
             <a:spLocks noGrp="1"/>
           </p:cNvSpPr>
@@ -756,7 +746,7 @@
     </p:spTree>
     <p:extLst>
       <p:ext uri="{BB962C8B-B14F-4D97-AF65-F5344CB8AC3E}">
-        <p14:creationId xmlns:p14="http://schemas.microsoft.com/office/powerpoint/2010/main" val="2512000472"/>
+        <p14:creationId xmlns:p14="http://schemas.microsoft.com/office/powerpoint/2010/main" val="3087816907"/>
       </p:ext>
     </p:extLst>
   </p:cSld>
@@ -785,13 +775,7 @@
       </p:grpSpPr>
       <p:sp>
         <p:nvSpPr>
-          <p:cNvPr id="2" name="제목 1">
-            <a:extLst>
-              <a:ext uri="{FF2B5EF4-FFF2-40B4-BE49-F238E27FC236}">
-                <a16:creationId xmlns:a16="http://schemas.microsoft.com/office/drawing/2014/main" id="{2711FBA7-8184-4F0B-AC9C-6BFF0557F008}"/>
-              </a:ext>
-            </a:extLst>
-          </p:cNvPr>
+          <p:cNvPr id="2" name="Title 1"/>
           <p:cNvSpPr>
             <a:spLocks noGrp="1"/>
           </p:cNvSpPr>
@@ -808,18 +792,13 @@
               <a:rPr lang="ko-KR" altLang="en-US"/>
               <a:t>마스터 제목 스타일 편집</a:t>
             </a:r>
-          </a:p>
-        </p:txBody>
-      </p:sp>
-      <p:sp>
-        <p:nvSpPr>
-          <p:cNvPr id="3" name="세로 텍스트 개체 틀 2">
-            <a:extLst>
-              <a:ext uri="{FF2B5EF4-FFF2-40B4-BE49-F238E27FC236}">
-                <a16:creationId xmlns:a16="http://schemas.microsoft.com/office/drawing/2014/main" id="{9C61E167-A817-418E-ADB9-E9570E1F3823}"/>
-              </a:ext>
-            </a:extLst>
-          </p:cNvPr>
+            <a:endParaRPr lang="en-US"/>
+          </a:p>
+        </p:txBody>
+      </p:sp>
+      <p:sp>
+        <p:nvSpPr>
+          <p:cNvPr id="3" name="Vertical Text Placeholder 2"/>
           <p:cNvSpPr>
             <a:spLocks noGrp="1"/>
           </p:cNvSpPr>
@@ -865,18 +844,13 @@
               <a:rPr lang="ko-KR" altLang="en-US"/>
               <a:t>다섯 번째 수준</a:t>
             </a:r>
-          </a:p>
-        </p:txBody>
-      </p:sp>
-      <p:sp>
-        <p:nvSpPr>
-          <p:cNvPr id="4" name="날짜 개체 틀 3">
-            <a:extLst>
-              <a:ext uri="{FF2B5EF4-FFF2-40B4-BE49-F238E27FC236}">
-                <a16:creationId xmlns:a16="http://schemas.microsoft.com/office/drawing/2014/main" id="{05202848-628D-4C1F-A17C-558B4F1B1355}"/>
-              </a:ext>
-            </a:extLst>
-          </p:cNvPr>
+            <a:endParaRPr lang="en-US" dirty="0"/>
+          </a:p>
+        </p:txBody>
+      </p:sp>
+      <p:sp>
+        <p:nvSpPr>
+          <p:cNvPr id="4" name="Date Placeholder 3"/>
           <p:cNvSpPr>
             <a:spLocks noGrp="1"/>
           </p:cNvSpPr>
@@ -891,7 +865,7 @@
           <a:p>
             <a:fld id="{069E26FC-6306-4AAB-B239-0138570A854D}" type="datetimeFigureOut">
               <a:rPr lang="ko-KR" altLang="en-US" smtClean="0"/>
-              <a:t>2021-12-28</a:t>
+              <a:t>2022-01-03</a:t>
             </a:fld>
             <a:endParaRPr lang="ko-KR" altLang="en-US"/>
           </a:p>
@@ -899,13 +873,7 @@
       </p:sp>
       <p:sp>
         <p:nvSpPr>
-          <p:cNvPr id="5" name="바닥글 개체 틀 4">
-            <a:extLst>
-              <a:ext uri="{FF2B5EF4-FFF2-40B4-BE49-F238E27FC236}">
-                <a16:creationId xmlns:a16="http://schemas.microsoft.com/office/drawing/2014/main" id="{E7CF5195-0688-4B35-9FF8-468E7FD7F850}"/>
-              </a:ext>
-            </a:extLst>
-          </p:cNvPr>
+          <p:cNvPr id="5" name="Footer Placeholder 4"/>
           <p:cNvSpPr>
             <a:spLocks noGrp="1"/>
           </p:cNvSpPr>
@@ -924,13 +892,7 @@
       </p:sp>
       <p:sp>
         <p:nvSpPr>
-          <p:cNvPr id="6" name="슬라이드 번호 개체 틀 5">
-            <a:extLst>
-              <a:ext uri="{FF2B5EF4-FFF2-40B4-BE49-F238E27FC236}">
-                <a16:creationId xmlns:a16="http://schemas.microsoft.com/office/drawing/2014/main" id="{79E09187-2FAB-4386-A121-A62B491BDC04}"/>
-              </a:ext>
-            </a:extLst>
-          </p:cNvPr>
+          <p:cNvPr id="6" name="Slide Number Placeholder 5"/>
           <p:cNvSpPr>
             <a:spLocks noGrp="1"/>
           </p:cNvSpPr>
@@ -954,7 +916,7 @@
     </p:spTree>
     <p:extLst>
       <p:ext uri="{BB962C8B-B14F-4D97-AF65-F5344CB8AC3E}">
-        <p14:creationId xmlns:p14="http://schemas.microsoft.com/office/powerpoint/2010/main" val="1193806237"/>
+        <p14:creationId xmlns:p14="http://schemas.microsoft.com/office/powerpoint/2010/main" val="2182226965"/>
       </p:ext>
     </p:extLst>
   </p:cSld>
@@ -983,13 +945,7 @@
       </p:grpSpPr>
       <p:sp>
         <p:nvSpPr>
-          <p:cNvPr id="2" name="세로 제목 1">
-            <a:extLst>
-              <a:ext uri="{FF2B5EF4-FFF2-40B4-BE49-F238E27FC236}">
-                <a16:creationId xmlns:a16="http://schemas.microsoft.com/office/drawing/2014/main" id="{4A13F4FC-365C-4E20-AA03-D444D47921B5}"/>
-              </a:ext>
-            </a:extLst>
-          </p:cNvPr>
+          <p:cNvPr id="2" name="Vertical Title 1"/>
           <p:cNvSpPr>
             <a:spLocks noGrp="1"/>
           </p:cNvSpPr>
@@ -999,7 +955,7 @@
         </p:nvSpPr>
         <p:spPr>
           <a:xfrm>
-            <a:off x="8724900" y="365125"/>
+            <a:off x="8724900" y="360362"/>
             <a:ext cx="2628900" cy="5811838"/>
           </a:xfrm>
         </p:spPr>
@@ -1011,18 +967,13 @@
               <a:rPr lang="ko-KR" altLang="en-US"/>
               <a:t>마스터 제목 스타일 편집</a:t>
             </a:r>
-          </a:p>
-        </p:txBody>
-      </p:sp>
-      <p:sp>
-        <p:nvSpPr>
-          <p:cNvPr id="3" name="세로 텍스트 개체 틀 2">
-            <a:extLst>
-              <a:ext uri="{FF2B5EF4-FFF2-40B4-BE49-F238E27FC236}">
-                <a16:creationId xmlns:a16="http://schemas.microsoft.com/office/drawing/2014/main" id="{AA70696A-22D8-496B-8ACC-569DCFF73CA4}"/>
-              </a:ext>
-            </a:extLst>
-          </p:cNvPr>
+            <a:endParaRPr lang="en-US"/>
+          </a:p>
+        </p:txBody>
+      </p:sp>
+      <p:sp>
+        <p:nvSpPr>
+          <p:cNvPr id="3" name="Vertical Text Placeholder 2"/>
           <p:cNvSpPr>
             <a:spLocks noGrp="1"/>
           </p:cNvSpPr>
@@ -1032,8 +983,8 @@
         </p:nvSpPr>
         <p:spPr>
           <a:xfrm>
-            <a:off x="838200" y="365125"/>
-            <a:ext cx="7734300" cy="5811838"/>
+            <a:off x="838200" y="360362"/>
+            <a:ext cx="7734300" cy="5811837"/>
           </a:xfrm>
         </p:spPr>
         <p:txBody>
@@ -1073,18 +1024,13 @@
               <a:rPr lang="ko-KR" altLang="en-US"/>
               <a:t>다섯 번째 수준</a:t>
             </a:r>
-          </a:p>
-        </p:txBody>
-      </p:sp>
-      <p:sp>
-        <p:nvSpPr>
-          <p:cNvPr id="4" name="날짜 개체 틀 3">
-            <a:extLst>
-              <a:ext uri="{FF2B5EF4-FFF2-40B4-BE49-F238E27FC236}">
-                <a16:creationId xmlns:a16="http://schemas.microsoft.com/office/drawing/2014/main" id="{41F9BA05-00F3-4D78-8185-EF93BA927281}"/>
-              </a:ext>
-            </a:extLst>
-          </p:cNvPr>
+            <a:endParaRPr lang="en-US"/>
+          </a:p>
+        </p:txBody>
+      </p:sp>
+      <p:sp>
+        <p:nvSpPr>
+          <p:cNvPr id="4" name="Date Placeholder 3"/>
           <p:cNvSpPr>
             <a:spLocks noGrp="1"/>
           </p:cNvSpPr>
@@ -1099,7 +1045,7 @@
           <a:p>
             <a:fld id="{069E26FC-6306-4AAB-B239-0138570A854D}" type="datetimeFigureOut">
               <a:rPr lang="ko-KR" altLang="en-US" smtClean="0"/>
-              <a:t>2021-12-28</a:t>
+              <a:t>2022-01-03</a:t>
             </a:fld>
             <a:endParaRPr lang="ko-KR" altLang="en-US"/>
           </a:p>
@@ -1107,13 +1053,7 @@
       </p:sp>
       <p:sp>
         <p:nvSpPr>
-          <p:cNvPr id="5" name="바닥글 개체 틀 4">
-            <a:extLst>
-              <a:ext uri="{FF2B5EF4-FFF2-40B4-BE49-F238E27FC236}">
-                <a16:creationId xmlns:a16="http://schemas.microsoft.com/office/drawing/2014/main" id="{79FCF5F3-ED2C-4D0A-B330-4E498C6CC1DF}"/>
-              </a:ext>
-            </a:extLst>
-          </p:cNvPr>
+          <p:cNvPr id="5" name="Footer Placeholder 4"/>
           <p:cNvSpPr>
             <a:spLocks noGrp="1"/>
           </p:cNvSpPr>
@@ -1132,13 +1072,7 @@
       </p:sp>
       <p:sp>
         <p:nvSpPr>
-          <p:cNvPr id="6" name="슬라이드 번호 개체 틀 5">
-            <a:extLst>
-              <a:ext uri="{FF2B5EF4-FFF2-40B4-BE49-F238E27FC236}">
-                <a16:creationId xmlns:a16="http://schemas.microsoft.com/office/drawing/2014/main" id="{8BEEC30A-1D6D-4C31-95BA-E71A505ADA11}"/>
-              </a:ext>
-            </a:extLst>
-          </p:cNvPr>
+          <p:cNvPr id="6" name="Slide Number Placeholder 5"/>
           <p:cNvSpPr>
             <a:spLocks noGrp="1"/>
           </p:cNvSpPr>
@@ -1162,7 +1096,7 @@
     </p:spTree>
     <p:extLst>
       <p:ext uri="{BB962C8B-B14F-4D97-AF65-F5344CB8AC3E}">
-        <p14:creationId xmlns:p14="http://schemas.microsoft.com/office/powerpoint/2010/main" val="3487576728"/>
+        <p14:creationId xmlns:p14="http://schemas.microsoft.com/office/powerpoint/2010/main" val="2967139459"/>
       </p:ext>
     </p:extLst>
   </p:cSld>
@@ -1191,13 +1125,7 @@
       </p:grpSpPr>
       <p:sp>
         <p:nvSpPr>
-          <p:cNvPr id="2" name="제목 1">
-            <a:extLst>
-              <a:ext uri="{FF2B5EF4-FFF2-40B4-BE49-F238E27FC236}">
-                <a16:creationId xmlns:a16="http://schemas.microsoft.com/office/drawing/2014/main" id="{F406BC0B-4BEB-41B9-AED5-F995AE5D0CEB}"/>
-              </a:ext>
-            </a:extLst>
-          </p:cNvPr>
+          <p:cNvPr id="2" name="Title 1"/>
           <p:cNvSpPr>
             <a:spLocks noGrp="1"/>
           </p:cNvSpPr>
@@ -1214,18 +1142,13 @@
               <a:rPr lang="ko-KR" altLang="en-US"/>
               <a:t>마스터 제목 스타일 편집</a:t>
             </a:r>
-          </a:p>
-        </p:txBody>
-      </p:sp>
-      <p:sp>
-        <p:nvSpPr>
-          <p:cNvPr id="3" name="내용 개체 틀 2">
-            <a:extLst>
-              <a:ext uri="{FF2B5EF4-FFF2-40B4-BE49-F238E27FC236}">
-                <a16:creationId xmlns:a16="http://schemas.microsoft.com/office/drawing/2014/main" id="{12EE3FDC-B8B5-4E54-81E0-AD080EA1480D}"/>
-              </a:ext>
-            </a:extLst>
-          </p:cNvPr>
+            <a:endParaRPr lang="en-US" dirty="0"/>
+          </a:p>
+        </p:txBody>
+      </p:sp>
+      <p:sp>
+        <p:nvSpPr>
+          <p:cNvPr id="3" name="Content Placeholder 2"/>
           <p:cNvSpPr>
             <a:spLocks noGrp="1"/>
           </p:cNvSpPr>
@@ -1271,18 +1194,13 @@
               <a:rPr lang="ko-KR" altLang="en-US"/>
               <a:t>다섯 번째 수준</a:t>
             </a:r>
-          </a:p>
-        </p:txBody>
-      </p:sp>
-      <p:sp>
-        <p:nvSpPr>
-          <p:cNvPr id="4" name="날짜 개체 틀 3">
-            <a:extLst>
-              <a:ext uri="{FF2B5EF4-FFF2-40B4-BE49-F238E27FC236}">
-                <a16:creationId xmlns:a16="http://schemas.microsoft.com/office/drawing/2014/main" id="{1B671A32-7329-41E3-958D-BB26EA5CC5A1}"/>
-              </a:ext>
-            </a:extLst>
-          </p:cNvPr>
+            <a:endParaRPr lang="en-US" dirty="0"/>
+          </a:p>
+        </p:txBody>
+      </p:sp>
+      <p:sp>
+        <p:nvSpPr>
+          <p:cNvPr id="4" name="Date Placeholder 3"/>
           <p:cNvSpPr>
             <a:spLocks noGrp="1"/>
           </p:cNvSpPr>
@@ -1297,7 +1215,7 @@
           <a:p>
             <a:fld id="{069E26FC-6306-4AAB-B239-0138570A854D}" type="datetimeFigureOut">
               <a:rPr lang="ko-KR" altLang="en-US" smtClean="0"/>
-              <a:t>2021-12-28</a:t>
+              <a:t>2022-01-03</a:t>
             </a:fld>
             <a:endParaRPr lang="ko-KR" altLang="en-US"/>
           </a:p>
@@ -1305,13 +1223,7 @@
       </p:sp>
       <p:sp>
         <p:nvSpPr>
-          <p:cNvPr id="5" name="바닥글 개체 틀 4">
-            <a:extLst>
-              <a:ext uri="{FF2B5EF4-FFF2-40B4-BE49-F238E27FC236}">
-                <a16:creationId xmlns:a16="http://schemas.microsoft.com/office/drawing/2014/main" id="{E1AA8180-38F4-48B0-8F2D-3F01BD1F7824}"/>
-              </a:ext>
-            </a:extLst>
-          </p:cNvPr>
+          <p:cNvPr id="5" name="Footer Placeholder 4"/>
           <p:cNvSpPr>
             <a:spLocks noGrp="1"/>
           </p:cNvSpPr>
@@ -1330,13 +1242,7 @@
       </p:sp>
       <p:sp>
         <p:nvSpPr>
-          <p:cNvPr id="6" name="슬라이드 번호 개체 틀 5">
-            <a:extLst>
-              <a:ext uri="{FF2B5EF4-FFF2-40B4-BE49-F238E27FC236}">
-                <a16:creationId xmlns:a16="http://schemas.microsoft.com/office/drawing/2014/main" id="{CA9BE25D-8DE1-41A4-9C15-3FE59B53D665}"/>
-              </a:ext>
-            </a:extLst>
-          </p:cNvPr>
+          <p:cNvPr id="6" name="Slide Number Placeholder 5"/>
           <p:cNvSpPr>
             <a:spLocks noGrp="1"/>
           </p:cNvSpPr>
@@ -1360,7 +1266,7 @@
     </p:spTree>
     <p:extLst>
       <p:ext uri="{BB962C8B-B14F-4D97-AF65-F5344CB8AC3E}">
-        <p14:creationId xmlns:p14="http://schemas.microsoft.com/office/powerpoint/2010/main" val="4184966972"/>
+        <p14:creationId xmlns:p14="http://schemas.microsoft.com/office/powerpoint/2010/main" val="1326129085"/>
       </p:ext>
     </p:extLst>
   </p:cSld>
@@ -1389,13 +1295,7 @@
       </p:grpSpPr>
       <p:sp>
         <p:nvSpPr>
-          <p:cNvPr id="2" name="제목 1">
-            <a:extLst>
-              <a:ext uri="{FF2B5EF4-FFF2-40B4-BE49-F238E27FC236}">
-                <a16:creationId xmlns:a16="http://schemas.microsoft.com/office/drawing/2014/main" id="{E9B04428-F4E1-4AB6-AD97-A1C13AF75AD9}"/>
-              </a:ext>
-            </a:extLst>
-          </p:cNvPr>
+          <p:cNvPr id="2" name="Title 1"/>
           <p:cNvSpPr>
             <a:spLocks noGrp="1"/>
           </p:cNvSpPr>
@@ -1405,15 +1305,17 @@
         </p:nvSpPr>
         <p:spPr>
           <a:xfrm>
-            <a:off x="831850" y="1709738"/>
-            <a:ext cx="10515600" cy="2852737"/>
+            <a:off x="831850" y="1712423"/>
+            <a:ext cx="10515600" cy="2851208"/>
           </a:xfrm>
         </p:spPr>
         <p:txBody>
-          <a:bodyPr anchor="b"/>
+          <a:bodyPr anchor="b">
+            <a:normAutofit/>
+          </a:bodyPr>
           <a:lstStyle>
             <a:lvl1pPr>
-              <a:defRPr sz="6000"/>
+              <a:defRPr sz="6000" b="0"/>
             </a:lvl1pPr>
           </a:lstStyle>
           <a:p>
@@ -1421,18 +1323,13 @@
               <a:rPr lang="ko-KR" altLang="en-US"/>
               <a:t>마스터 제목 스타일 편집</a:t>
             </a:r>
-          </a:p>
-        </p:txBody>
-      </p:sp>
-      <p:sp>
-        <p:nvSpPr>
-          <p:cNvPr id="3" name="텍스트 개체 틀 2">
-            <a:extLst>
-              <a:ext uri="{FF2B5EF4-FFF2-40B4-BE49-F238E27FC236}">
-                <a16:creationId xmlns:a16="http://schemas.microsoft.com/office/drawing/2014/main" id="{928038FF-7691-4B9C-9F8B-422513DA0982}"/>
-              </a:ext>
-            </a:extLst>
-          </p:cNvPr>
+            <a:endParaRPr lang="en-US" dirty="0"/>
+          </a:p>
+        </p:txBody>
+      </p:sp>
+      <p:sp>
+        <p:nvSpPr>
+          <p:cNvPr id="3" name="Text Placeholder 2"/>
           <p:cNvSpPr>
             <a:spLocks noGrp="1"/>
           </p:cNvSpPr>
@@ -1442,26 +1339,29 @@
         </p:nvSpPr>
         <p:spPr>
           <a:xfrm>
-            <a:off x="831850" y="4589463"/>
+            <a:off x="831850" y="4552633"/>
             <a:ext cx="10515600" cy="1500187"/>
           </a:xfrm>
         </p:spPr>
         <p:txBody>
-          <a:bodyPr/>
+          <a:bodyPr anchor="t">
+            <a:normAutofit/>
+          </a:bodyPr>
           <a:lstStyle>
             <a:lvl1pPr marL="0" indent="0">
               <a:buNone/>
               <a:defRPr sz="2400">
                 <a:solidFill>
                   <a:schemeClr val="tx1">
-                    <a:tint val="75000"/>
+                    <a:lumMod val="75000"/>
+                    <a:lumOff val="25000"/>
                   </a:schemeClr>
                 </a:solidFill>
               </a:defRPr>
             </a:lvl1pPr>
             <a:lvl2pPr marL="457200" indent="0">
               <a:buNone/>
-              <a:defRPr sz="2000">
+              <a:defRPr sz="1800">
                 <a:solidFill>
                   <a:schemeClr val="tx1">
                     <a:tint val="75000"/>
@@ -1471,7 +1371,7 @@
             </a:lvl2pPr>
             <a:lvl3pPr marL="914400" indent="0">
               <a:buNone/>
-              <a:defRPr sz="1800">
+              <a:defRPr sz="1600">
                 <a:solidFill>
                   <a:schemeClr val="tx1">
                     <a:tint val="75000"/>
@@ -1481,7 +1381,7 @@
             </a:lvl3pPr>
             <a:lvl4pPr marL="1371600" indent="0">
               <a:buNone/>
-              <a:defRPr sz="1600">
+              <a:defRPr sz="1400">
                 <a:solidFill>
                   <a:schemeClr val="tx1">
                     <a:tint val="75000"/>
@@ -1491,7 +1391,7 @@
             </a:lvl4pPr>
             <a:lvl5pPr marL="1828800" indent="0">
               <a:buNone/>
-              <a:defRPr sz="1600">
+              <a:defRPr sz="1400">
                 <a:solidFill>
                   <a:schemeClr val="tx1">
                     <a:tint val="75000"/>
@@ -1501,7 +1401,7 @@
             </a:lvl5pPr>
             <a:lvl6pPr marL="2286000" indent="0">
               <a:buNone/>
-              <a:defRPr sz="1600">
+              <a:defRPr sz="1400">
                 <a:solidFill>
                   <a:schemeClr val="tx1">
                     <a:tint val="75000"/>
@@ -1511,7 +1411,7 @@
             </a:lvl6pPr>
             <a:lvl7pPr marL="2743200" indent="0">
               <a:buNone/>
-              <a:defRPr sz="1600">
+              <a:defRPr sz="1400">
                 <a:solidFill>
                   <a:schemeClr val="tx1">
                     <a:tint val="75000"/>
@@ -1521,7 +1421,7 @@
             </a:lvl7pPr>
             <a:lvl8pPr marL="3200400" indent="0">
               <a:buNone/>
-              <a:defRPr sz="1600">
+              <a:defRPr sz="1400">
                 <a:solidFill>
                   <a:schemeClr val="tx1">
                     <a:tint val="75000"/>
@@ -1531,7 +1431,7 @@
             </a:lvl8pPr>
             <a:lvl9pPr marL="3657600" indent="0">
               <a:buNone/>
-              <a:defRPr sz="1600">
+              <a:defRPr sz="1400">
                 <a:solidFill>
                   <a:schemeClr val="tx1">
                     <a:tint val="75000"/>
@@ -1551,13 +1451,7 @@
       </p:sp>
       <p:sp>
         <p:nvSpPr>
-          <p:cNvPr id="4" name="날짜 개체 틀 3">
-            <a:extLst>
-              <a:ext uri="{FF2B5EF4-FFF2-40B4-BE49-F238E27FC236}">
-                <a16:creationId xmlns:a16="http://schemas.microsoft.com/office/drawing/2014/main" id="{F3B42407-465C-44ED-893D-0D8CCC4A91B4}"/>
-              </a:ext>
-            </a:extLst>
-          </p:cNvPr>
+          <p:cNvPr id="4" name="Date Placeholder 3"/>
           <p:cNvSpPr>
             <a:spLocks noGrp="1"/>
           </p:cNvSpPr>
@@ -1572,7 +1466,7 @@
           <a:p>
             <a:fld id="{069E26FC-6306-4AAB-B239-0138570A854D}" type="datetimeFigureOut">
               <a:rPr lang="ko-KR" altLang="en-US" smtClean="0"/>
-              <a:t>2021-12-28</a:t>
+              <a:t>2022-01-03</a:t>
             </a:fld>
             <a:endParaRPr lang="ko-KR" altLang="en-US"/>
           </a:p>
@@ -1580,13 +1474,7 @@
       </p:sp>
       <p:sp>
         <p:nvSpPr>
-          <p:cNvPr id="5" name="바닥글 개체 틀 4">
-            <a:extLst>
-              <a:ext uri="{FF2B5EF4-FFF2-40B4-BE49-F238E27FC236}">
-                <a16:creationId xmlns:a16="http://schemas.microsoft.com/office/drawing/2014/main" id="{E35365BF-E3E3-418D-9074-69D477B4D89E}"/>
-              </a:ext>
-            </a:extLst>
-          </p:cNvPr>
+          <p:cNvPr id="5" name="Footer Placeholder 4"/>
           <p:cNvSpPr>
             <a:spLocks noGrp="1"/>
           </p:cNvSpPr>
@@ -1605,13 +1493,7 @@
       </p:sp>
       <p:sp>
         <p:nvSpPr>
-          <p:cNvPr id="6" name="슬라이드 번호 개체 틀 5">
-            <a:extLst>
-              <a:ext uri="{FF2B5EF4-FFF2-40B4-BE49-F238E27FC236}">
-                <a16:creationId xmlns:a16="http://schemas.microsoft.com/office/drawing/2014/main" id="{4C0E9FC7-F4DC-48CF-B07F-EF6C286DA81C}"/>
-              </a:ext>
-            </a:extLst>
-          </p:cNvPr>
+          <p:cNvPr id="6" name="Slide Number Placeholder 5"/>
           <p:cNvSpPr>
             <a:spLocks noGrp="1"/>
           </p:cNvSpPr>
@@ -1635,7 +1517,7 @@
     </p:spTree>
     <p:extLst>
       <p:ext uri="{BB962C8B-B14F-4D97-AF65-F5344CB8AC3E}">
-        <p14:creationId xmlns:p14="http://schemas.microsoft.com/office/powerpoint/2010/main" val="3593570576"/>
+        <p14:creationId xmlns:p14="http://schemas.microsoft.com/office/powerpoint/2010/main" val="2325170354"/>
       </p:ext>
     </p:extLst>
   </p:cSld>
@@ -1664,13 +1546,7 @@
       </p:grpSpPr>
       <p:sp>
         <p:nvSpPr>
-          <p:cNvPr id="2" name="제목 1">
-            <a:extLst>
-              <a:ext uri="{FF2B5EF4-FFF2-40B4-BE49-F238E27FC236}">
-                <a16:creationId xmlns:a16="http://schemas.microsoft.com/office/drawing/2014/main" id="{CAC68497-3F29-4651-ADD3-D54E6E85C3C7}"/>
-              </a:ext>
-            </a:extLst>
-          </p:cNvPr>
+          <p:cNvPr id="2" name="Title 1"/>
           <p:cNvSpPr>
             <a:spLocks noGrp="1"/>
           </p:cNvSpPr>
@@ -1687,18 +1563,13 @@
               <a:rPr lang="ko-KR" altLang="en-US"/>
               <a:t>마스터 제목 스타일 편집</a:t>
             </a:r>
-          </a:p>
-        </p:txBody>
-      </p:sp>
-      <p:sp>
-        <p:nvSpPr>
-          <p:cNvPr id="3" name="내용 개체 틀 2">
-            <a:extLst>
-              <a:ext uri="{FF2B5EF4-FFF2-40B4-BE49-F238E27FC236}">
-                <a16:creationId xmlns:a16="http://schemas.microsoft.com/office/drawing/2014/main" id="{F5990DED-AA36-4B03-816E-85B5AA80B047}"/>
-              </a:ext>
-            </a:extLst>
-          </p:cNvPr>
+            <a:endParaRPr lang="en-US" dirty="0"/>
+          </a:p>
+        </p:txBody>
+      </p:sp>
+      <p:sp>
+        <p:nvSpPr>
+          <p:cNvPr id="3" name="Content Placeholder 2"/>
           <p:cNvSpPr>
             <a:spLocks noGrp="1"/>
           </p:cNvSpPr>
@@ -1708,8 +1579,8 @@
         </p:nvSpPr>
         <p:spPr>
           <a:xfrm>
-            <a:off x="838200" y="1825625"/>
-            <a:ext cx="5181600" cy="4351338"/>
+            <a:off x="845127" y="1828800"/>
+            <a:ext cx="5181600" cy="4351337"/>
           </a:xfrm>
         </p:spPr>
         <p:txBody>
@@ -1749,18 +1620,13 @@
               <a:rPr lang="ko-KR" altLang="en-US"/>
               <a:t>다섯 번째 수준</a:t>
             </a:r>
-          </a:p>
-        </p:txBody>
-      </p:sp>
-      <p:sp>
-        <p:nvSpPr>
-          <p:cNvPr id="4" name="내용 개체 틀 3">
-            <a:extLst>
-              <a:ext uri="{FF2B5EF4-FFF2-40B4-BE49-F238E27FC236}">
-                <a16:creationId xmlns:a16="http://schemas.microsoft.com/office/drawing/2014/main" id="{06349DF4-79F8-43CB-A8CE-E5CBEF830EAB}"/>
-              </a:ext>
-            </a:extLst>
-          </p:cNvPr>
+            <a:endParaRPr lang="en-US" dirty="0"/>
+          </a:p>
+        </p:txBody>
+      </p:sp>
+      <p:sp>
+        <p:nvSpPr>
+          <p:cNvPr id="4" name="Content Placeholder 3"/>
           <p:cNvSpPr>
             <a:spLocks noGrp="1"/>
           </p:cNvSpPr>
@@ -1770,8 +1636,8 @@
         </p:nvSpPr>
         <p:spPr>
           <a:xfrm>
-            <a:off x="6172200" y="1825625"/>
-            <a:ext cx="5181600" cy="4351338"/>
+            <a:off x="6172200" y="1828800"/>
+            <a:ext cx="5181600" cy="4351337"/>
           </a:xfrm>
         </p:spPr>
         <p:txBody>
@@ -1811,18 +1677,13 @@
               <a:rPr lang="ko-KR" altLang="en-US"/>
               <a:t>다섯 번째 수준</a:t>
             </a:r>
-          </a:p>
-        </p:txBody>
-      </p:sp>
-      <p:sp>
-        <p:nvSpPr>
-          <p:cNvPr id="5" name="날짜 개체 틀 4">
-            <a:extLst>
-              <a:ext uri="{FF2B5EF4-FFF2-40B4-BE49-F238E27FC236}">
-                <a16:creationId xmlns:a16="http://schemas.microsoft.com/office/drawing/2014/main" id="{65C659EC-B69E-4C41-AF38-8E6D3A3D6C4C}"/>
-              </a:ext>
-            </a:extLst>
-          </p:cNvPr>
+            <a:endParaRPr lang="en-US" dirty="0"/>
+          </a:p>
+        </p:txBody>
+      </p:sp>
+      <p:sp>
+        <p:nvSpPr>
+          <p:cNvPr id="5" name="Date Placeholder 4"/>
           <p:cNvSpPr>
             <a:spLocks noGrp="1"/>
           </p:cNvSpPr>
@@ -1837,7 +1698,7 @@
           <a:p>
             <a:fld id="{069E26FC-6306-4AAB-B239-0138570A854D}" type="datetimeFigureOut">
               <a:rPr lang="ko-KR" altLang="en-US" smtClean="0"/>
-              <a:t>2021-12-28</a:t>
+              <a:t>2022-01-03</a:t>
             </a:fld>
             <a:endParaRPr lang="ko-KR" altLang="en-US"/>
           </a:p>
@@ -1845,13 +1706,7 @@
       </p:sp>
       <p:sp>
         <p:nvSpPr>
-          <p:cNvPr id="6" name="바닥글 개체 틀 5">
-            <a:extLst>
-              <a:ext uri="{FF2B5EF4-FFF2-40B4-BE49-F238E27FC236}">
-                <a16:creationId xmlns:a16="http://schemas.microsoft.com/office/drawing/2014/main" id="{1C13AB58-A258-44E4-B4B3-46BC131197E6}"/>
-              </a:ext>
-            </a:extLst>
-          </p:cNvPr>
+          <p:cNvPr id="6" name="Footer Placeholder 5"/>
           <p:cNvSpPr>
             <a:spLocks noGrp="1"/>
           </p:cNvSpPr>
@@ -1870,13 +1725,7 @@
       </p:sp>
       <p:sp>
         <p:nvSpPr>
-          <p:cNvPr id="7" name="슬라이드 번호 개체 틀 6">
-            <a:extLst>
-              <a:ext uri="{FF2B5EF4-FFF2-40B4-BE49-F238E27FC236}">
-                <a16:creationId xmlns:a16="http://schemas.microsoft.com/office/drawing/2014/main" id="{3D599C70-39F3-4BD8-BD2C-B9972BEE9B9A}"/>
-              </a:ext>
-            </a:extLst>
-          </p:cNvPr>
+          <p:cNvPr id="7" name="Slide Number Placeholder 6"/>
           <p:cNvSpPr>
             <a:spLocks noGrp="1"/>
           </p:cNvSpPr>
@@ -1900,7 +1749,7 @@
     </p:spTree>
     <p:extLst>
       <p:ext uri="{BB962C8B-B14F-4D97-AF65-F5344CB8AC3E}">
-        <p14:creationId xmlns:p14="http://schemas.microsoft.com/office/powerpoint/2010/main" val="105929342"/>
+        <p14:creationId xmlns:p14="http://schemas.microsoft.com/office/powerpoint/2010/main" val="2665993482"/>
       </p:ext>
     </p:extLst>
   </p:cSld>
@@ -1911,7 +1760,7 @@
 </file>
 
 <file path=ppt/slideLayouts/slideLayout5.xml><?xml version="1.0" encoding="utf-8"?>
-<p:sldLayout xmlns:a="http://schemas.openxmlformats.org/drawingml/2006/main" xmlns:r="http://schemas.openxmlformats.org/officeDocument/2006/relationships" xmlns:p="http://schemas.openxmlformats.org/presentationml/2006/main" type="twoTxTwoObj" preserve="1">
+<p:sldLayout xmlns:a="http://schemas.openxmlformats.org/drawingml/2006/main" xmlns:r="http://schemas.openxmlformats.org/officeDocument/2006/relationships" xmlns:p="http://schemas.openxmlformats.org/presentationml/2006/main" preserve="1">
   <p:cSld name="비교">
     <p:spTree>
       <p:nvGrpSpPr>
@@ -1929,63 +1778,154 @@
       </p:grpSpPr>
       <p:sp>
         <p:nvSpPr>
-          <p:cNvPr id="2" name="제목 1">
-            <a:extLst>
-              <a:ext uri="{FF2B5EF4-FFF2-40B4-BE49-F238E27FC236}">
-                <a16:creationId xmlns:a16="http://schemas.microsoft.com/office/drawing/2014/main" id="{554062AA-10F0-42F4-8722-6190F4F26710}"/>
-              </a:ext>
-            </a:extLst>
-          </p:cNvPr>
-          <p:cNvSpPr>
-            <a:spLocks noGrp="1"/>
-          </p:cNvSpPr>
-          <p:nvPr>
-            <p:ph type="title"/>
+          <p:cNvPr id="3" name="Text Placeholder 2"/>
+          <p:cNvSpPr>
+            <a:spLocks noGrp="1"/>
+          </p:cNvSpPr>
+          <p:nvPr>
+            <p:ph type="body" idx="1"/>
           </p:nvPr>
         </p:nvSpPr>
         <p:spPr>
           <a:xfrm>
-            <a:off x="839788" y="365125"/>
-            <a:ext cx="10515600" cy="1325563"/>
+            <a:off x="845127" y="1681850"/>
+            <a:ext cx="5156200" cy="825699"/>
           </a:xfrm>
         </p:spPr>
         <p:txBody>
-          <a:bodyPr/>
-          <a:lstStyle/>
-          <a:p>
-            <a:r>
-              <a:rPr lang="ko-KR" altLang="en-US"/>
-              <a:t>마스터 제목 스타일 편집</a:t>
-            </a:r>
-          </a:p>
-        </p:txBody>
-      </p:sp>
-      <p:sp>
-        <p:nvSpPr>
-          <p:cNvPr id="3" name="텍스트 개체 틀 2">
-            <a:extLst>
-              <a:ext uri="{FF2B5EF4-FFF2-40B4-BE49-F238E27FC236}">
-                <a16:creationId xmlns:a16="http://schemas.microsoft.com/office/drawing/2014/main" id="{93ED50DA-D5E5-46C7-ACCB-555192965A84}"/>
-              </a:ext>
-            </a:extLst>
-          </p:cNvPr>
-          <p:cNvSpPr>
-            <a:spLocks noGrp="1"/>
-          </p:cNvSpPr>
-          <p:nvPr>
-            <p:ph type="body" idx="1"/>
+          <a:bodyPr anchor="b">
+            <a:normAutofit/>
+          </a:bodyPr>
+          <a:lstStyle>
+            <a:lvl1pPr marL="0" indent="0">
+              <a:spcBef>
+                <a:spcPts val="0"/>
+              </a:spcBef>
+              <a:buNone/>
+              <a:defRPr sz="2400" b="1"/>
+            </a:lvl1pPr>
+            <a:lvl2pPr marL="457200" indent="0">
+              <a:buNone/>
+              <a:defRPr sz="2000" b="1"/>
+            </a:lvl2pPr>
+            <a:lvl3pPr marL="914400" indent="0">
+              <a:buNone/>
+              <a:defRPr sz="1800" b="1"/>
+            </a:lvl3pPr>
+            <a:lvl4pPr marL="1371600" indent="0">
+              <a:buNone/>
+              <a:defRPr sz="1600" b="1"/>
+            </a:lvl4pPr>
+            <a:lvl5pPr marL="1828800" indent="0">
+              <a:buNone/>
+              <a:defRPr sz="1600" b="1"/>
+            </a:lvl5pPr>
+            <a:lvl6pPr marL="2286000" indent="0">
+              <a:buNone/>
+              <a:defRPr sz="1600" b="1"/>
+            </a:lvl6pPr>
+            <a:lvl7pPr marL="2743200" indent="0">
+              <a:buNone/>
+              <a:defRPr sz="1600" b="1"/>
+            </a:lvl7pPr>
+            <a:lvl8pPr marL="3200400" indent="0">
+              <a:buNone/>
+              <a:defRPr sz="1600" b="1"/>
+            </a:lvl8pPr>
+            <a:lvl9pPr marL="3657600" indent="0">
+              <a:buNone/>
+              <a:defRPr sz="1600" b="1"/>
+            </a:lvl9pPr>
+          </a:lstStyle>
+          <a:p>
+            <a:pPr lvl="0"/>
+            <a:r>
+              <a:rPr lang="ko-KR" altLang="en-US"/>
+              <a:t>마스터 텍스트 스타일을 편집하려면 클릭</a:t>
+            </a:r>
+          </a:p>
+        </p:txBody>
+      </p:sp>
+      <p:sp>
+        <p:nvSpPr>
+          <p:cNvPr id="4" name="Content Placeholder 3"/>
+          <p:cNvSpPr>
+            <a:spLocks noGrp="1"/>
+          </p:cNvSpPr>
+          <p:nvPr>
+            <p:ph sz="half" idx="2"/>
           </p:nvPr>
         </p:nvSpPr>
         <p:spPr>
           <a:xfrm>
-            <a:off x="839788" y="1681163"/>
-            <a:ext cx="5157787" cy="823912"/>
+            <a:off x="845127" y="2507550"/>
+            <a:ext cx="5156200" cy="3680525"/>
+          </a:xfrm>
+        </p:spPr>
+        <p:txBody>
+          <a:bodyPr/>
+          <a:lstStyle/>
+          <a:p>
+            <a:pPr lvl="0"/>
+            <a:r>
+              <a:rPr lang="ko-KR" altLang="en-US"/>
+              <a:t>마스터 텍스트 스타일을 편집하려면 클릭</a:t>
+            </a:r>
+          </a:p>
+          <a:p>
+            <a:pPr lvl="1"/>
+            <a:r>
+              <a:rPr lang="ko-KR" altLang="en-US"/>
+              <a:t>두 번째 수준</a:t>
+            </a:r>
+          </a:p>
+          <a:p>
+            <a:pPr lvl="2"/>
+            <a:r>
+              <a:rPr lang="ko-KR" altLang="en-US"/>
+              <a:t>세 번째 수준</a:t>
+            </a:r>
+          </a:p>
+          <a:p>
+            <a:pPr lvl="3"/>
+            <a:r>
+              <a:rPr lang="ko-KR" altLang="en-US"/>
+              <a:t>네 번째 수준</a:t>
+            </a:r>
+          </a:p>
+          <a:p>
+            <a:pPr lvl="4"/>
+            <a:r>
+              <a:rPr lang="ko-KR" altLang="en-US"/>
+              <a:t>다섯 번째 수준</a:t>
+            </a:r>
+            <a:endParaRPr lang="en-US" dirty="0"/>
+          </a:p>
+        </p:txBody>
+      </p:sp>
+      <p:sp>
+        <p:nvSpPr>
+          <p:cNvPr id="5" name="Text Placeholder 4"/>
+          <p:cNvSpPr>
+            <a:spLocks noGrp="1"/>
+          </p:cNvSpPr>
+          <p:nvPr>
+            <p:ph type="body" sz="quarter" idx="3"/>
+          </p:nvPr>
+        </p:nvSpPr>
+        <p:spPr>
+          <a:xfrm>
+            <a:off x="6172200" y="1681851"/>
+            <a:ext cx="5181601" cy="825698"/>
           </a:xfrm>
         </p:spPr>
         <p:txBody>
           <a:bodyPr anchor="b"/>
           <a:lstStyle>
             <a:lvl1pPr marL="0" indent="0">
+              <a:spcBef>
+                <a:spcPts val="0"/>
+              </a:spcBef>
               <a:buNone/>
               <a:defRPr sz="2400" b="1"/>
             </a:lvl1pPr>
@@ -2033,24 +1973,18 @@
       </p:sp>
       <p:sp>
         <p:nvSpPr>
-          <p:cNvPr id="4" name="내용 개체 틀 3">
-            <a:extLst>
-              <a:ext uri="{FF2B5EF4-FFF2-40B4-BE49-F238E27FC236}">
-                <a16:creationId xmlns:a16="http://schemas.microsoft.com/office/drawing/2014/main" id="{210956BC-8A0E-4852-9E56-89D2E2FC89CC}"/>
-              </a:ext>
-            </a:extLst>
-          </p:cNvPr>
-          <p:cNvSpPr>
-            <a:spLocks noGrp="1"/>
-          </p:cNvSpPr>
-          <p:nvPr>
-            <p:ph sz="half" idx="2"/>
+          <p:cNvPr id="6" name="Content Placeholder 5"/>
+          <p:cNvSpPr>
+            <a:spLocks noGrp="1"/>
+          </p:cNvSpPr>
+          <p:nvPr>
+            <p:ph sz="quarter" idx="4"/>
           </p:nvPr>
         </p:nvSpPr>
         <p:spPr>
           <a:xfrm>
-            <a:off x="839788" y="2505075"/>
-            <a:ext cx="5157787" cy="3684588"/>
+            <a:off x="6172200" y="2507550"/>
+            <a:ext cx="5181601" cy="3680525"/>
           </a:xfrm>
         </p:spPr>
         <p:txBody>
@@ -2090,151 +2024,13 @@
               <a:rPr lang="ko-KR" altLang="en-US"/>
               <a:t>다섯 번째 수준</a:t>
             </a:r>
-          </a:p>
-        </p:txBody>
-      </p:sp>
-      <p:sp>
-        <p:nvSpPr>
-          <p:cNvPr id="5" name="텍스트 개체 틀 4">
-            <a:extLst>
-              <a:ext uri="{FF2B5EF4-FFF2-40B4-BE49-F238E27FC236}">
-                <a16:creationId xmlns:a16="http://schemas.microsoft.com/office/drawing/2014/main" id="{D56C3BA1-B981-4579-A991-8B887AEC71DA}"/>
-              </a:ext>
-            </a:extLst>
-          </p:cNvPr>
-          <p:cNvSpPr>
-            <a:spLocks noGrp="1"/>
-          </p:cNvSpPr>
-          <p:nvPr>
-            <p:ph type="body" sz="quarter" idx="3"/>
-          </p:nvPr>
-        </p:nvSpPr>
-        <p:spPr>
-          <a:xfrm>
-            <a:off x="6172200" y="1681163"/>
-            <a:ext cx="5183188" cy="823912"/>
-          </a:xfrm>
-        </p:spPr>
-        <p:txBody>
-          <a:bodyPr anchor="b"/>
-          <a:lstStyle>
-            <a:lvl1pPr marL="0" indent="0">
-              <a:buNone/>
-              <a:defRPr sz="2400" b="1"/>
-            </a:lvl1pPr>
-            <a:lvl2pPr marL="457200" indent="0">
-              <a:buNone/>
-              <a:defRPr sz="2000" b="1"/>
-            </a:lvl2pPr>
-            <a:lvl3pPr marL="914400" indent="0">
-              <a:buNone/>
-              <a:defRPr sz="1800" b="1"/>
-            </a:lvl3pPr>
-            <a:lvl4pPr marL="1371600" indent="0">
-              <a:buNone/>
-              <a:defRPr sz="1600" b="1"/>
-            </a:lvl4pPr>
-            <a:lvl5pPr marL="1828800" indent="0">
-              <a:buNone/>
-              <a:defRPr sz="1600" b="1"/>
-            </a:lvl5pPr>
-            <a:lvl6pPr marL="2286000" indent="0">
-              <a:buNone/>
-              <a:defRPr sz="1600" b="1"/>
-            </a:lvl6pPr>
-            <a:lvl7pPr marL="2743200" indent="0">
-              <a:buNone/>
-              <a:defRPr sz="1600" b="1"/>
-            </a:lvl7pPr>
-            <a:lvl8pPr marL="3200400" indent="0">
-              <a:buNone/>
-              <a:defRPr sz="1600" b="1"/>
-            </a:lvl8pPr>
-            <a:lvl9pPr marL="3657600" indent="0">
-              <a:buNone/>
-              <a:defRPr sz="1600" b="1"/>
-            </a:lvl9pPr>
-          </a:lstStyle>
-          <a:p>
-            <a:pPr lvl="0"/>
-            <a:r>
-              <a:rPr lang="ko-KR" altLang="en-US"/>
-              <a:t>마스터 텍스트 스타일을 편집하려면 클릭</a:t>
-            </a:r>
-          </a:p>
-        </p:txBody>
-      </p:sp>
-      <p:sp>
-        <p:nvSpPr>
-          <p:cNvPr id="6" name="내용 개체 틀 5">
-            <a:extLst>
-              <a:ext uri="{FF2B5EF4-FFF2-40B4-BE49-F238E27FC236}">
-                <a16:creationId xmlns:a16="http://schemas.microsoft.com/office/drawing/2014/main" id="{088DD61B-B0B6-4444-9780-3DCD54F49046}"/>
-              </a:ext>
-            </a:extLst>
-          </p:cNvPr>
-          <p:cNvSpPr>
-            <a:spLocks noGrp="1"/>
-          </p:cNvSpPr>
-          <p:nvPr>
-            <p:ph sz="quarter" idx="4"/>
-          </p:nvPr>
-        </p:nvSpPr>
-        <p:spPr>
-          <a:xfrm>
-            <a:off x="6172200" y="2505075"/>
-            <a:ext cx="5183188" cy="3684588"/>
-          </a:xfrm>
-        </p:spPr>
-        <p:txBody>
-          <a:bodyPr/>
-          <a:lstStyle/>
-          <a:p>
-            <a:pPr lvl="0"/>
-            <a:r>
-              <a:rPr lang="ko-KR" altLang="en-US"/>
-              <a:t>마스터 텍스트 스타일을 편집하려면 클릭</a:t>
-            </a:r>
-          </a:p>
-          <a:p>
-            <a:pPr lvl="1"/>
-            <a:r>
-              <a:rPr lang="ko-KR" altLang="en-US"/>
-              <a:t>두 번째 수준</a:t>
-            </a:r>
-          </a:p>
-          <a:p>
-            <a:pPr lvl="2"/>
-            <a:r>
-              <a:rPr lang="ko-KR" altLang="en-US"/>
-              <a:t>세 번째 수준</a:t>
-            </a:r>
-          </a:p>
-          <a:p>
-            <a:pPr lvl="3"/>
-            <a:r>
-              <a:rPr lang="ko-KR" altLang="en-US"/>
-              <a:t>네 번째 수준</a:t>
-            </a:r>
-          </a:p>
-          <a:p>
-            <a:pPr lvl="4"/>
-            <a:r>
-              <a:rPr lang="ko-KR" altLang="en-US"/>
-              <a:t>다섯 번째 수준</a:t>
-            </a:r>
-          </a:p>
-        </p:txBody>
-      </p:sp>
-      <p:sp>
-        <p:nvSpPr>
-          <p:cNvPr id="7" name="날짜 개체 틀 6">
-            <a:extLst>
-              <a:ext uri="{FF2B5EF4-FFF2-40B4-BE49-F238E27FC236}">
-                <a16:creationId xmlns:a16="http://schemas.microsoft.com/office/drawing/2014/main" id="{C0528D3C-A5E5-4839-A1A2-7A9D1EA62DBB}"/>
-              </a:ext>
-            </a:extLst>
-          </p:cNvPr>
+            <a:endParaRPr lang="en-US"/>
+          </a:p>
+        </p:txBody>
+      </p:sp>
+      <p:sp>
+        <p:nvSpPr>
+          <p:cNvPr id="7" name="Date Placeholder 6"/>
           <p:cNvSpPr>
             <a:spLocks noGrp="1"/>
           </p:cNvSpPr>
@@ -2249,7 +2045,7 @@
           <a:p>
             <a:fld id="{069E26FC-6306-4AAB-B239-0138570A854D}" type="datetimeFigureOut">
               <a:rPr lang="ko-KR" altLang="en-US" smtClean="0"/>
-              <a:t>2021-12-28</a:t>
+              <a:t>2022-01-03</a:t>
             </a:fld>
             <a:endParaRPr lang="ko-KR" altLang="en-US"/>
           </a:p>
@@ -2257,13 +2053,7 @@
       </p:sp>
       <p:sp>
         <p:nvSpPr>
-          <p:cNvPr id="8" name="바닥글 개체 틀 7">
-            <a:extLst>
-              <a:ext uri="{FF2B5EF4-FFF2-40B4-BE49-F238E27FC236}">
-                <a16:creationId xmlns:a16="http://schemas.microsoft.com/office/drawing/2014/main" id="{CF07A146-E010-4686-9C29-0BF69D88AC74}"/>
-              </a:ext>
-            </a:extLst>
-          </p:cNvPr>
+          <p:cNvPr id="8" name="Footer Placeholder 7"/>
           <p:cNvSpPr>
             <a:spLocks noGrp="1"/>
           </p:cNvSpPr>
@@ -2282,13 +2072,7 @@
       </p:sp>
       <p:sp>
         <p:nvSpPr>
-          <p:cNvPr id="9" name="슬라이드 번호 개체 틀 8">
-            <a:extLst>
-              <a:ext uri="{FF2B5EF4-FFF2-40B4-BE49-F238E27FC236}">
-                <a16:creationId xmlns:a16="http://schemas.microsoft.com/office/drawing/2014/main" id="{2F9A451B-25AB-4246-957C-1F770D8F5383}"/>
-              </a:ext>
-            </a:extLst>
-          </p:cNvPr>
+          <p:cNvPr id="9" name="Slide Number Placeholder 8"/>
           <p:cNvSpPr>
             <a:spLocks noGrp="1"/>
           </p:cNvSpPr>
@@ -2309,10 +2093,33 @@
           </a:p>
         </p:txBody>
       </p:sp>
+      <p:sp>
+        <p:nvSpPr>
+          <p:cNvPr id="10" name="Title 9"/>
+          <p:cNvSpPr>
+            <a:spLocks noGrp="1"/>
+          </p:cNvSpPr>
+          <p:nvPr>
+            <p:ph type="title"/>
+          </p:nvPr>
+        </p:nvSpPr>
+        <p:spPr/>
+        <p:txBody>
+          <a:bodyPr/>
+          <a:lstStyle/>
+          <a:p>
+            <a:r>
+              <a:rPr lang="ko-KR" altLang="en-US"/>
+              <a:t>마스터 제목 스타일 편집</a:t>
+            </a:r>
+            <a:endParaRPr lang="en-US" dirty="0"/>
+          </a:p>
+        </p:txBody>
+      </p:sp>
     </p:spTree>
     <p:extLst>
       <p:ext uri="{BB962C8B-B14F-4D97-AF65-F5344CB8AC3E}">
-        <p14:creationId xmlns:p14="http://schemas.microsoft.com/office/powerpoint/2010/main" val="1492339300"/>
+        <p14:creationId xmlns:p14="http://schemas.microsoft.com/office/powerpoint/2010/main" val="2511864618"/>
       </p:ext>
     </p:extLst>
   </p:cSld>
@@ -2323,7 +2130,7 @@
 </file>
 
 <file path=ppt/slideLayouts/slideLayout6.xml><?xml version="1.0" encoding="utf-8"?>
-<p:sldLayout xmlns:a="http://schemas.openxmlformats.org/drawingml/2006/main" xmlns:r="http://schemas.openxmlformats.org/officeDocument/2006/relationships" xmlns:p="http://schemas.openxmlformats.org/presentationml/2006/main" type="titleOnly" preserve="1">
+<p:sldLayout xmlns:a="http://schemas.openxmlformats.org/drawingml/2006/main" xmlns:r="http://schemas.openxmlformats.org/officeDocument/2006/relationships" xmlns:p="http://schemas.openxmlformats.org/presentationml/2006/main" preserve="1">
   <p:cSld name="제목만">
     <p:spTree>
       <p:nvGrpSpPr>
@@ -2341,41 +2148,7 @@
       </p:grpSpPr>
       <p:sp>
         <p:nvSpPr>
-          <p:cNvPr id="2" name="제목 1">
-            <a:extLst>
-              <a:ext uri="{FF2B5EF4-FFF2-40B4-BE49-F238E27FC236}">
-                <a16:creationId xmlns:a16="http://schemas.microsoft.com/office/drawing/2014/main" id="{A6598FE7-DBF7-49CB-9B3B-009C3AB61B2C}"/>
-              </a:ext>
-            </a:extLst>
-          </p:cNvPr>
-          <p:cNvSpPr>
-            <a:spLocks noGrp="1"/>
-          </p:cNvSpPr>
-          <p:nvPr>
-            <p:ph type="title"/>
-          </p:nvPr>
-        </p:nvSpPr>
-        <p:spPr/>
-        <p:txBody>
-          <a:bodyPr/>
-          <a:lstStyle/>
-          <a:p>
-            <a:r>
-              <a:rPr lang="ko-KR" altLang="en-US"/>
-              <a:t>마스터 제목 스타일 편집</a:t>
-            </a:r>
-          </a:p>
-        </p:txBody>
-      </p:sp>
-      <p:sp>
-        <p:nvSpPr>
-          <p:cNvPr id="3" name="날짜 개체 틀 2">
-            <a:extLst>
-              <a:ext uri="{FF2B5EF4-FFF2-40B4-BE49-F238E27FC236}">
-                <a16:creationId xmlns:a16="http://schemas.microsoft.com/office/drawing/2014/main" id="{D456168F-5DCE-420D-8114-A892DA004872}"/>
-              </a:ext>
-            </a:extLst>
-          </p:cNvPr>
+          <p:cNvPr id="3" name="Date Placeholder 2"/>
           <p:cNvSpPr>
             <a:spLocks noGrp="1"/>
           </p:cNvSpPr>
@@ -2390,7 +2163,7 @@
           <a:p>
             <a:fld id="{069E26FC-6306-4AAB-B239-0138570A854D}" type="datetimeFigureOut">
               <a:rPr lang="ko-KR" altLang="en-US" smtClean="0"/>
-              <a:t>2021-12-28</a:t>
+              <a:t>2022-01-03</a:t>
             </a:fld>
             <a:endParaRPr lang="ko-KR" altLang="en-US"/>
           </a:p>
@@ -2398,13 +2171,7 @@
       </p:sp>
       <p:sp>
         <p:nvSpPr>
-          <p:cNvPr id="4" name="바닥글 개체 틀 3">
-            <a:extLst>
-              <a:ext uri="{FF2B5EF4-FFF2-40B4-BE49-F238E27FC236}">
-                <a16:creationId xmlns:a16="http://schemas.microsoft.com/office/drawing/2014/main" id="{3BE33574-1FD1-48F8-9D8F-CDB11E48E2EE}"/>
-              </a:ext>
-            </a:extLst>
-          </p:cNvPr>
+          <p:cNvPr id="4" name="Footer Placeholder 3"/>
           <p:cNvSpPr>
             <a:spLocks noGrp="1"/>
           </p:cNvSpPr>
@@ -2423,13 +2190,7 @@
       </p:sp>
       <p:sp>
         <p:nvSpPr>
-          <p:cNvPr id="5" name="슬라이드 번호 개체 틀 4">
-            <a:extLst>
-              <a:ext uri="{FF2B5EF4-FFF2-40B4-BE49-F238E27FC236}">
-                <a16:creationId xmlns:a16="http://schemas.microsoft.com/office/drawing/2014/main" id="{4527B845-3736-4BB1-81CE-C0EAA3D62E4B}"/>
-              </a:ext>
-            </a:extLst>
-          </p:cNvPr>
+          <p:cNvPr id="5" name="Slide Number Placeholder 4"/>
           <p:cNvSpPr>
             <a:spLocks noGrp="1"/>
           </p:cNvSpPr>
@@ -2450,10 +2211,33 @@
           </a:p>
         </p:txBody>
       </p:sp>
+      <p:sp>
+        <p:nvSpPr>
+          <p:cNvPr id="6" name="Title 5"/>
+          <p:cNvSpPr>
+            <a:spLocks noGrp="1"/>
+          </p:cNvSpPr>
+          <p:nvPr>
+            <p:ph type="title"/>
+          </p:nvPr>
+        </p:nvSpPr>
+        <p:spPr/>
+        <p:txBody>
+          <a:bodyPr/>
+          <a:lstStyle/>
+          <a:p>
+            <a:r>
+              <a:rPr lang="ko-KR" altLang="en-US"/>
+              <a:t>마스터 제목 스타일 편집</a:t>
+            </a:r>
+            <a:endParaRPr lang="en-US"/>
+          </a:p>
+        </p:txBody>
+      </p:sp>
     </p:spTree>
     <p:extLst>
       <p:ext uri="{BB962C8B-B14F-4D97-AF65-F5344CB8AC3E}">
-        <p14:creationId xmlns:p14="http://schemas.microsoft.com/office/powerpoint/2010/main" val="3626618001"/>
+        <p14:creationId xmlns:p14="http://schemas.microsoft.com/office/powerpoint/2010/main" val="2611412006"/>
       </p:ext>
     </p:extLst>
   </p:cSld>
@@ -2482,13 +2266,7 @@
       </p:grpSpPr>
       <p:sp>
         <p:nvSpPr>
-          <p:cNvPr id="2" name="날짜 개체 틀 1">
-            <a:extLst>
-              <a:ext uri="{FF2B5EF4-FFF2-40B4-BE49-F238E27FC236}">
-                <a16:creationId xmlns:a16="http://schemas.microsoft.com/office/drawing/2014/main" id="{BC068175-85E9-4E57-9EBB-4EC59145C295}"/>
-              </a:ext>
-            </a:extLst>
-          </p:cNvPr>
+          <p:cNvPr id="2" name="Date Placeholder 1"/>
           <p:cNvSpPr>
             <a:spLocks noGrp="1"/>
           </p:cNvSpPr>
@@ -2503,7 +2281,7 @@
           <a:p>
             <a:fld id="{069E26FC-6306-4AAB-B239-0138570A854D}" type="datetimeFigureOut">
               <a:rPr lang="ko-KR" altLang="en-US" smtClean="0"/>
-              <a:t>2021-12-28</a:t>
+              <a:t>2022-01-03</a:t>
             </a:fld>
             <a:endParaRPr lang="ko-KR" altLang="en-US"/>
           </a:p>
@@ -2511,13 +2289,7 @@
       </p:sp>
       <p:sp>
         <p:nvSpPr>
-          <p:cNvPr id="3" name="바닥글 개체 틀 2">
-            <a:extLst>
-              <a:ext uri="{FF2B5EF4-FFF2-40B4-BE49-F238E27FC236}">
-                <a16:creationId xmlns:a16="http://schemas.microsoft.com/office/drawing/2014/main" id="{37FCB095-16A0-4913-BB7E-54E187762E13}"/>
-              </a:ext>
-            </a:extLst>
-          </p:cNvPr>
+          <p:cNvPr id="3" name="Footer Placeholder 2"/>
           <p:cNvSpPr>
             <a:spLocks noGrp="1"/>
           </p:cNvSpPr>
@@ -2536,13 +2308,7 @@
       </p:sp>
       <p:sp>
         <p:nvSpPr>
-          <p:cNvPr id="4" name="슬라이드 번호 개체 틀 3">
-            <a:extLst>
-              <a:ext uri="{FF2B5EF4-FFF2-40B4-BE49-F238E27FC236}">
-                <a16:creationId xmlns:a16="http://schemas.microsoft.com/office/drawing/2014/main" id="{8B957D81-7713-4C16-BE21-1689F50BE3DC}"/>
-              </a:ext>
-            </a:extLst>
-          </p:cNvPr>
+          <p:cNvPr id="4" name="Slide Number Placeholder 3"/>
           <p:cNvSpPr>
             <a:spLocks noGrp="1"/>
           </p:cNvSpPr>
@@ -2566,7 +2332,7 @@
     </p:spTree>
     <p:extLst>
       <p:ext uri="{BB962C8B-B14F-4D97-AF65-F5344CB8AC3E}">
-        <p14:creationId xmlns:p14="http://schemas.microsoft.com/office/powerpoint/2010/main" val="2635265925"/>
+        <p14:creationId xmlns:p14="http://schemas.microsoft.com/office/powerpoint/2010/main" val="3281866626"/>
       </p:ext>
     </p:extLst>
   </p:cSld>
@@ -2595,13 +2361,7 @@
       </p:grpSpPr>
       <p:sp>
         <p:nvSpPr>
-          <p:cNvPr id="2" name="제목 1">
-            <a:extLst>
-              <a:ext uri="{FF2B5EF4-FFF2-40B4-BE49-F238E27FC236}">
-                <a16:creationId xmlns:a16="http://schemas.microsoft.com/office/drawing/2014/main" id="{DEC9759B-3D7F-4A0E-B0EB-F8C4D22282E0}"/>
-              </a:ext>
-            </a:extLst>
-          </p:cNvPr>
+          <p:cNvPr id="2" name="Title 1"/>
           <p:cNvSpPr>
             <a:spLocks noGrp="1"/>
           </p:cNvSpPr>
@@ -2611,15 +2371,17 @@
         </p:nvSpPr>
         <p:spPr>
           <a:xfrm>
-            <a:off x="839788" y="457200"/>
-            <a:ext cx="3932237" cy="1600200"/>
+            <a:off x="841248" y="457200"/>
+            <a:ext cx="3931920" cy="1600197"/>
           </a:xfrm>
         </p:spPr>
         <p:txBody>
-          <a:bodyPr anchor="b"/>
+          <a:bodyPr anchor="b">
+            <a:normAutofit/>
+          </a:bodyPr>
           <a:lstStyle>
             <a:lvl1pPr>
-              <a:defRPr sz="3200"/>
+              <a:defRPr sz="3200" b="0"/>
             </a:lvl1pPr>
           </a:lstStyle>
           <a:p>
@@ -2627,18 +2389,13 @@
               <a:rPr lang="ko-KR" altLang="en-US"/>
               <a:t>마스터 제목 스타일 편집</a:t>
             </a:r>
-          </a:p>
-        </p:txBody>
-      </p:sp>
-      <p:sp>
-        <p:nvSpPr>
-          <p:cNvPr id="3" name="내용 개체 틀 2">
-            <a:extLst>
-              <a:ext uri="{FF2B5EF4-FFF2-40B4-BE49-F238E27FC236}">
-                <a16:creationId xmlns:a16="http://schemas.microsoft.com/office/drawing/2014/main" id="{2110DF76-787C-426D-A841-AC521D4A0139}"/>
-              </a:ext>
-            </a:extLst>
-          </p:cNvPr>
+            <a:endParaRPr lang="en-US" dirty="0"/>
+          </a:p>
+        </p:txBody>
+      </p:sp>
+      <p:sp>
+        <p:nvSpPr>
+          <p:cNvPr id="3" name="Content Placeholder 2"/>
           <p:cNvSpPr>
             <a:spLocks noGrp="1"/>
           </p:cNvSpPr>
@@ -2648,8 +2405,8 @@
         </p:nvSpPr>
         <p:spPr>
           <a:xfrm>
-            <a:off x="5183188" y="987425"/>
-            <a:ext cx="6172200" cy="4873625"/>
+            <a:off x="5181600" y="990600"/>
+            <a:ext cx="6172200" cy="4876800"/>
           </a:xfrm>
         </p:spPr>
         <p:txBody>
@@ -2717,18 +2474,13 @@
               <a:rPr lang="ko-KR" altLang="en-US"/>
               <a:t>다섯 번째 수준</a:t>
             </a:r>
-          </a:p>
-        </p:txBody>
-      </p:sp>
-      <p:sp>
-        <p:nvSpPr>
-          <p:cNvPr id="4" name="텍스트 개체 틀 3">
-            <a:extLst>
-              <a:ext uri="{FF2B5EF4-FFF2-40B4-BE49-F238E27FC236}">
-                <a16:creationId xmlns:a16="http://schemas.microsoft.com/office/drawing/2014/main" id="{43F4F856-0837-4DF5-A7B5-DD731912F1FC}"/>
-              </a:ext>
-            </a:extLst>
-          </p:cNvPr>
+            <a:endParaRPr lang="en-US" dirty="0"/>
+          </a:p>
+        </p:txBody>
+      </p:sp>
+      <p:sp>
+        <p:nvSpPr>
+          <p:cNvPr id="4" name="Text Placeholder 3"/>
           <p:cNvSpPr>
             <a:spLocks noGrp="1"/>
           </p:cNvSpPr>
@@ -2738,48 +2490,53 @@
         </p:nvSpPr>
         <p:spPr>
           <a:xfrm>
-            <a:off x="839788" y="2057400"/>
-            <a:ext cx="3932237" cy="3811588"/>
+            <a:off x="841248" y="2057399"/>
+            <a:ext cx="3931920" cy="3810001"/>
           </a:xfrm>
         </p:spPr>
         <p:txBody>
-          <a:bodyPr/>
+          <a:bodyPr>
+            <a:normAutofit/>
+          </a:bodyPr>
           <a:lstStyle>
             <a:lvl1pPr marL="0" indent="0">
+              <a:lnSpc>
+                <a:spcPct val="90000"/>
+              </a:lnSpc>
               <a:buNone/>
               <a:defRPr sz="1600"/>
             </a:lvl1pPr>
             <a:lvl2pPr marL="457200" indent="0">
               <a:buNone/>
-              <a:defRPr sz="1400"/>
+              <a:defRPr sz="1200"/>
             </a:lvl2pPr>
             <a:lvl3pPr marL="914400" indent="0">
               <a:buNone/>
-              <a:defRPr sz="1200"/>
+              <a:defRPr sz="1000"/>
             </a:lvl3pPr>
             <a:lvl4pPr marL="1371600" indent="0">
               <a:buNone/>
-              <a:defRPr sz="1000"/>
+              <a:defRPr sz="900"/>
             </a:lvl4pPr>
             <a:lvl5pPr marL="1828800" indent="0">
               <a:buNone/>
-              <a:defRPr sz="1000"/>
+              <a:defRPr sz="900"/>
             </a:lvl5pPr>
             <a:lvl6pPr marL="2286000" indent="0">
               <a:buNone/>
-              <a:defRPr sz="1000"/>
+              <a:defRPr sz="900"/>
             </a:lvl6pPr>
             <a:lvl7pPr marL="2743200" indent="0">
               <a:buNone/>
-              <a:defRPr sz="1000"/>
+              <a:defRPr sz="900"/>
             </a:lvl7pPr>
             <a:lvl8pPr marL="3200400" indent="0">
               <a:buNone/>
-              <a:defRPr sz="1000"/>
+              <a:defRPr sz="900"/>
             </a:lvl8pPr>
             <a:lvl9pPr marL="3657600" indent="0">
               <a:buNone/>
-              <a:defRPr sz="1000"/>
+              <a:defRPr sz="900"/>
             </a:lvl9pPr>
           </a:lstStyle>
           <a:p>
@@ -2793,13 +2550,7 @@
       </p:sp>
       <p:sp>
         <p:nvSpPr>
-          <p:cNvPr id="5" name="날짜 개체 틀 4">
-            <a:extLst>
-              <a:ext uri="{FF2B5EF4-FFF2-40B4-BE49-F238E27FC236}">
-                <a16:creationId xmlns:a16="http://schemas.microsoft.com/office/drawing/2014/main" id="{4DB8721A-4FD6-4CA5-9236-69632D9FC699}"/>
-              </a:ext>
-            </a:extLst>
-          </p:cNvPr>
+          <p:cNvPr id="5" name="Date Placeholder 4"/>
           <p:cNvSpPr>
             <a:spLocks noGrp="1"/>
           </p:cNvSpPr>
@@ -2814,7 +2565,7 @@
           <a:p>
             <a:fld id="{069E26FC-6306-4AAB-B239-0138570A854D}" type="datetimeFigureOut">
               <a:rPr lang="ko-KR" altLang="en-US" smtClean="0"/>
-              <a:t>2021-12-28</a:t>
+              <a:t>2022-01-03</a:t>
             </a:fld>
             <a:endParaRPr lang="ko-KR" altLang="en-US"/>
           </a:p>
@@ -2822,13 +2573,7 @@
       </p:sp>
       <p:sp>
         <p:nvSpPr>
-          <p:cNvPr id="6" name="바닥글 개체 틀 5">
-            <a:extLst>
-              <a:ext uri="{FF2B5EF4-FFF2-40B4-BE49-F238E27FC236}">
-                <a16:creationId xmlns:a16="http://schemas.microsoft.com/office/drawing/2014/main" id="{B227ADAA-1A96-4E66-8C7E-E323D2D94BB0}"/>
-              </a:ext>
-            </a:extLst>
-          </p:cNvPr>
+          <p:cNvPr id="6" name="Footer Placeholder 5"/>
           <p:cNvSpPr>
             <a:spLocks noGrp="1"/>
           </p:cNvSpPr>
@@ -2847,13 +2592,7 @@
       </p:sp>
       <p:sp>
         <p:nvSpPr>
-          <p:cNvPr id="7" name="슬라이드 번호 개체 틀 6">
-            <a:extLst>
-              <a:ext uri="{FF2B5EF4-FFF2-40B4-BE49-F238E27FC236}">
-                <a16:creationId xmlns:a16="http://schemas.microsoft.com/office/drawing/2014/main" id="{E998C070-8345-4DB7-A978-172ACC23C296}"/>
-              </a:ext>
-            </a:extLst>
-          </p:cNvPr>
+          <p:cNvPr id="7" name="Slide Number Placeholder 6"/>
           <p:cNvSpPr>
             <a:spLocks noGrp="1"/>
           </p:cNvSpPr>
@@ -2877,7 +2616,7 @@
     </p:spTree>
     <p:extLst>
       <p:ext uri="{BB962C8B-B14F-4D97-AF65-F5344CB8AC3E}">
-        <p14:creationId xmlns:p14="http://schemas.microsoft.com/office/powerpoint/2010/main" val="143816943"/>
+        <p14:creationId xmlns:p14="http://schemas.microsoft.com/office/powerpoint/2010/main" val="1644123896"/>
       </p:ext>
     </p:extLst>
   </p:cSld>
@@ -2906,13 +2645,7 @@
       </p:grpSpPr>
       <p:sp>
         <p:nvSpPr>
-          <p:cNvPr id="2" name="제목 1">
-            <a:extLst>
-              <a:ext uri="{FF2B5EF4-FFF2-40B4-BE49-F238E27FC236}">
-                <a16:creationId xmlns:a16="http://schemas.microsoft.com/office/drawing/2014/main" id="{CAE8B497-413C-450B-B4F1-2E567731B975}"/>
-              </a:ext>
-            </a:extLst>
-          </p:cNvPr>
+          <p:cNvPr id="2" name="Title 1"/>
           <p:cNvSpPr>
             <a:spLocks noGrp="1"/>
           </p:cNvSpPr>
@@ -2922,15 +2655,17 @@
         </p:nvSpPr>
         <p:spPr>
           <a:xfrm>
-            <a:off x="839788" y="457200"/>
-            <a:ext cx="3932237" cy="1600200"/>
+            <a:off x="841248" y="457200"/>
+            <a:ext cx="3931920" cy="1600200"/>
           </a:xfrm>
         </p:spPr>
         <p:txBody>
-          <a:bodyPr anchor="b"/>
+          <a:bodyPr anchor="b">
+            <a:normAutofit/>
+          </a:bodyPr>
           <a:lstStyle>
             <a:lvl1pPr>
-              <a:defRPr sz="3200"/>
+              <a:defRPr sz="3200" b="0"/>
             </a:lvl1pPr>
           </a:lstStyle>
           <a:p>
@@ -2938,18 +2673,13 @@
               <a:rPr lang="ko-KR" altLang="en-US"/>
               <a:t>마스터 제목 스타일 편집</a:t>
             </a:r>
-          </a:p>
-        </p:txBody>
-      </p:sp>
-      <p:sp>
-        <p:nvSpPr>
-          <p:cNvPr id="3" name="그림 개체 틀 2">
-            <a:extLst>
-              <a:ext uri="{FF2B5EF4-FFF2-40B4-BE49-F238E27FC236}">
-                <a16:creationId xmlns:a16="http://schemas.microsoft.com/office/drawing/2014/main" id="{63891ED8-F0EB-485A-AF94-FD3ECDF58811}"/>
-              </a:ext>
-            </a:extLst>
-          </p:cNvPr>
+            <a:endParaRPr lang="en-US" dirty="0"/>
+          </a:p>
+        </p:txBody>
+      </p:sp>
+      <p:sp>
+        <p:nvSpPr>
+          <p:cNvPr id="3" name="Picture Placeholder 2"/>
           <p:cNvSpPr>
             <a:spLocks noGrp="1"/>
           </p:cNvSpPr>
@@ -2959,8 +2689,8 @@
         </p:nvSpPr>
         <p:spPr>
           <a:xfrm>
-            <a:off x="5183188" y="987425"/>
-            <a:ext cx="6172200" cy="4873625"/>
+            <a:off x="5181600" y="990600"/>
+            <a:ext cx="6172200" cy="4876800"/>
           </a:xfrm>
         </p:spPr>
         <p:txBody>
@@ -3004,19 +2734,17 @@
             </a:lvl9pPr>
           </a:lstStyle>
           <a:p>
-            <a:endParaRPr lang="ko-KR" altLang="en-US"/>
-          </a:p>
-        </p:txBody>
-      </p:sp>
-      <p:sp>
-        <p:nvSpPr>
-          <p:cNvPr id="4" name="텍스트 개체 틀 3">
-            <a:extLst>
-              <a:ext uri="{FF2B5EF4-FFF2-40B4-BE49-F238E27FC236}">
-                <a16:creationId xmlns:a16="http://schemas.microsoft.com/office/drawing/2014/main" id="{1E6B0FD2-B341-44B0-9259-72113CC9F034}"/>
-              </a:ext>
-            </a:extLst>
-          </p:cNvPr>
+            <a:r>
+              <a:rPr lang="ko-KR" altLang="en-US"/>
+              <a:t>그림을 추가하려면 아이콘을 클릭하십시오</a:t>
+            </a:r>
+            <a:endParaRPr lang="en-US" dirty="0"/>
+          </a:p>
+        </p:txBody>
+      </p:sp>
+      <p:sp>
+        <p:nvSpPr>
+          <p:cNvPr id="4" name="Text Placeholder 3"/>
           <p:cNvSpPr>
             <a:spLocks noGrp="1"/>
           </p:cNvSpPr>
@@ -3026,48 +2754,53 @@
         </p:nvSpPr>
         <p:spPr>
           <a:xfrm>
-            <a:off x="839788" y="2057400"/>
-            <a:ext cx="3932237" cy="3811588"/>
+            <a:off x="841248" y="2057400"/>
+            <a:ext cx="3931920" cy="3810000"/>
           </a:xfrm>
         </p:spPr>
         <p:txBody>
-          <a:bodyPr/>
+          <a:bodyPr>
+            <a:normAutofit/>
+          </a:bodyPr>
           <a:lstStyle>
             <a:lvl1pPr marL="0" indent="0">
+              <a:lnSpc>
+                <a:spcPct val="90000"/>
+              </a:lnSpc>
               <a:buNone/>
               <a:defRPr sz="1600"/>
             </a:lvl1pPr>
             <a:lvl2pPr marL="457200" indent="0">
               <a:buNone/>
-              <a:defRPr sz="1400"/>
+              <a:defRPr sz="1200"/>
             </a:lvl2pPr>
             <a:lvl3pPr marL="914400" indent="0">
               <a:buNone/>
-              <a:defRPr sz="1200"/>
+              <a:defRPr sz="1000"/>
             </a:lvl3pPr>
             <a:lvl4pPr marL="1371600" indent="0">
               <a:buNone/>
-              <a:defRPr sz="1000"/>
+              <a:defRPr sz="900"/>
             </a:lvl4pPr>
             <a:lvl5pPr marL="1828800" indent="0">
               <a:buNone/>
-              <a:defRPr sz="1000"/>
+              <a:defRPr sz="900"/>
             </a:lvl5pPr>
             <a:lvl6pPr marL="2286000" indent="0">
               <a:buNone/>
-              <a:defRPr sz="1000"/>
+              <a:defRPr sz="900"/>
             </a:lvl6pPr>
             <a:lvl7pPr marL="2743200" indent="0">
               <a:buNone/>
-              <a:defRPr sz="1000"/>
+              <a:defRPr sz="900"/>
             </a:lvl7pPr>
             <a:lvl8pPr marL="3200400" indent="0">
               <a:buNone/>
-              <a:defRPr sz="1000"/>
+              <a:defRPr sz="900"/>
             </a:lvl8pPr>
             <a:lvl9pPr marL="3657600" indent="0">
               <a:buNone/>
-              <a:defRPr sz="1000"/>
+              <a:defRPr sz="900"/>
             </a:lvl9pPr>
           </a:lstStyle>
           <a:p>
@@ -3081,13 +2814,7 @@
       </p:sp>
       <p:sp>
         <p:nvSpPr>
-          <p:cNvPr id="5" name="날짜 개체 틀 4">
-            <a:extLst>
-              <a:ext uri="{FF2B5EF4-FFF2-40B4-BE49-F238E27FC236}">
-                <a16:creationId xmlns:a16="http://schemas.microsoft.com/office/drawing/2014/main" id="{ED2CD950-910E-412A-AAA6-6CDF8E0BDB48}"/>
-              </a:ext>
-            </a:extLst>
-          </p:cNvPr>
+          <p:cNvPr id="5" name="Date Placeholder 4"/>
           <p:cNvSpPr>
             <a:spLocks noGrp="1"/>
           </p:cNvSpPr>
@@ -3102,7 +2829,7 @@
           <a:p>
             <a:fld id="{069E26FC-6306-4AAB-B239-0138570A854D}" type="datetimeFigureOut">
               <a:rPr lang="ko-KR" altLang="en-US" smtClean="0"/>
-              <a:t>2021-12-28</a:t>
+              <a:t>2022-01-03</a:t>
             </a:fld>
             <a:endParaRPr lang="ko-KR" altLang="en-US"/>
           </a:p>
@@ -3110,13 +2837,7 @@
       </p:sp>
       <p:sp>
         <p:nvSpPr>
-          <p:cNvPr id="6" name="바닥글 개체 틀 5">
-            <a:extLst>
-              <a:ext uri="{FF2B5EF4-FFF2-40B4-BE49-F238E27FC236}">
-                <a16:creationId xmlns:a16="http://schemas.microsoft.com/office/drawing/2014/main" id="{18129840-F47C-4C76-9F9E-29B035695F39}"/>
-              </a:ext>
-            </a:extLst>
-          </p:cNvPr>
+          <p:cNvPr id="6" name="Footer Placeholder 5"/>
           <p:cNvSpPr>
             <a:spLocks noGrp="1"/>
           </p:cNvSpPr>
@@ -3135,13 +2856,7 @@
       </p:sp>
       <p:sp>
         <p:nvSpPr>
-          <p:cNvPr id="7" name="슬라이드 번호 개체 틀 6">
-            <a:extLst>
-              <a:ext uri="{FF2B5EF4-FFF2-40B4-BE49-F238E27FC236}">
-                <a16:creationId xmlns:a16="http://schemas.microsoft.com/office/drawing/2014/main" id="{BDE650F5-FB15-4F75-8946-E7AFCC73A5AF}"/>
-              </a:ext>
-            </a:extLst>
-          </p:cNvPr>
+          <p:cNvPr id="7" name="Slide Number Placeholder 6"/>
           <p:cNvSpPr>
             <a:spLocks noGrp="1"/>
           </p:cNvSpPr>
@@ -3165,7 +2880,7 @@
     </p:spTree>
     <p:extLst>
       <p:ext uri="{BB962C8B-B14F-4D97-AF65-F5344CB8AC3E}">
-        <p14:creationId xmlns:p14="http://schemas.microsoft.com/office/powerpoint/2010/main" val="2779734105"/>
+        <p14:creationId xmlns:p14="http://schemas.microsoft.com/office/powerpoint/2010/main" val="1235193189"/>
       </p:ext>
     </p:extLst>
   </p:cSld>
@@ -3176,7 +2891,7 @@
 </file>
 
 <file path=ppt/slideMasters/slideMaster1.xml><?xml version="1.0" encoding="utf-8"?>
-<p:sldMaster xmlns:a="http://schemas.openxmlformats.org/drawingml/2006/main" xmlns:r="http://schemas.openxmlformats.org/officeDocument/2006/relationships" xmlns:p="http://schemas.openxmlformats.org/presentationml/2006/main">
+<p:sldMaster xmlns:a="http://schemas.openxmlformats.org/drawingml/2006/main" xmlns:r="http://schemas.openxmlformats.org/officeDocument/2006/relationships" xmlns:p="http://schemas.openxmlformats.org/presentationml/2006/main" preserve="1">
   <p:cSld>
     <p:bg>
       <p:bgRef idx="1001">
@@ -3199,13 +2914,7 @@
       </p:grpSpPr>
       <p:sp>
         <p:nvSpPr>
-          <p:cNvPr id="2" name="제목 개체 틀 1">
-            <a:extLst>
-              <a:ext uri="{FF2B5EF4-FFF2-40B4-BE49-F238E27FC236}">
-                <a16:creationId xmlns:a16="http://schemas.microsoft.com/office/drawing/2014/main" id="{56214AFE-2E3A-43B3-98DB-91F282257AD1}"/>
-              </a:ext>
-            </a:extLst>
-          </p:cNvPr>
+          <p:cNvPr id="2" name="Title Placeholder 1"/>
           <p:cNvSpPr>
             <a:spLocks noGrp="1"/>
           </p:cNvSpPr>
@@ -3215,8 +2924,8 @@
         </p:nvSpPr>
         <p:spPr>
           <a:xfrm>
-            <a:off x="838200" y="365125"/>
-            <a:ext cx="10515600" cy="1325563"/>
+            <a:off x="845127" y="365760"/>
+            <a:ext cx="10515600" cy="1325562"/>
           </a:xfrm>
           <a:prstGeom prst="rect">
             <a:avLst/>
@@ -3232,18 +2941,13 @@
               <a:rPr lang="ko-KR" altLang="en-US"/>
               <a:t>마스터 제목 스타일 편집</a:t>
             </a:r>
-          </a:p>
-        </p:txBody>
-      </p:sp>
-      <p:sp>
-        <p:nvSpPr>
-          <p:cNvPr id="3" name="텍스트 개체 틀 2">
-            <a:extLst>
-              <a:ext uri="{FF2B5EF4-FFF2-40B4-BE49-F238E27FC236}">
-                <a16:creationId xmlns:a16="http://schemas.microsoft.com/office/drawing/2014/main" id="{59618CCB-4EB3-42B6-BFCE-DF9F4CB62191}"/>
-              </a:ext>
-            </a:extLst>
-          </p:cNvPr>
+            <a:endParaRPr lang="en-US" dirty="0"/>
+          </a:p>
+        </p:txBody>
+      </p:sp>
+      <p:sp>
+        <p:nvSpPr>
+          <p:cNvPr id="3" name="Text Placeholder 2"/>
           <p:cNvSpPr>
             <a:spLocks noGrp="1"/>
           </p:cNvSpPr>
@@ -3253,8 +2957,8 @@
         </p:nvSpPr>
         <p:spPr>
           <a:xfrm>
-            <a:off x="838200" y="1825625"/>
-            <a:ext cx="10515600" cy="4351338"/>
+            <a:off x="845127" y="1828800"/>
+            <a:ext cx="10515600" cy="4351337"/>
           </a:xfrm>
           <a:prstGeom prst="rect">
             <a:avLst/>
@@ -3299,18 +3003,13 @@
               <a:rPr lang="ko-KR" altLang="en-US"/>
               <a:t>다섯 번째 수준</a:t>
             </a:r>
-          </a:p>
-        </p:txBody>
-      </p:sp>
-      <p:sp>
-        <p:nvSpPr>
-          <p:cNvPr id="4" name="날짜 개체 틀 3">
-            <a:extLst>
-              <a:ext uri="{FF2B5EF4-FFF2-40B4-BE49-F238E27FC236}">
-                <a16:creationId xmlns:a16="http://schemas.microsoft.com/office/drawing/2014/main" id="{A20DAE2E-22B1-40F7-A7E1-C4D68F32F722}"/>
-              </a:ext>
-            </a:extLst>
-          </p:cNvPr>
+            <a:endParaRPr lang="en-US" dirty="0"/>
+          </a:p>
+        </p:txBody>
+      </p:sp>
+      <p:sp>
+        <p:nvSpPr>
+          <p:cNvPr id="4" name="Date Placeholder 3"/>
           <p:cNvSpPr>
             <a:spLocks noGrp="1"/>
           </p:cNvSpPr>
@@ -3331,10 +3030,11 @@
           <a:bodyPr vert="horz" lIns="91440" tIns="45720" rIns="91440" bIns="45720" rtlCol="0" anchor="ctr"/>
           <a:lstStyle>
             <a:lvl1pPr algn="l">
-              <a:defRPr sz="1200">
+              <a:defRPr sz="1100">
                 <a:solidFill>
                   <a:schemeClr val="tx1">
-                    <a:tint val="75000"/>
+                    <a:lumMod val="65000"/>
+                    <a:lumOff val="35000"/>
                   </a:schemeClr>
                 </a:solidFill>
               </a:defRPr>
@@ -3343,7 +3043,7 @@
           <a:p>
             <a:fld id="{069E26FC-6306-4AAB-B239-0138570A854D}" type="datetimeFigureOut">
               <a:rPr lang="ko-KR" altLang="en-US" smtClean="0"/>
-              <a:t>2021-12-28</a:t>
+              <a:t>2022-01-03</a:t>
             </a:fld>
             <a:endParaRPr lang="ko-KR" altLang="en-US"/>
           </a:p>
@@ -3351,13 +3051,7 @@
       </p:sp>
       <p:sp>
         <p:nvSpPr>
-          <p:cNvPr id="5" name="바닥글 개체 틀 4">
-            <a:extLst>
-              <a:ext uri="{FF2B5EF4-FFF2-40B4-BE49-F238E27FC236}">
-                <a16:creationId xmlns:a16="http://schemas.microsoft.com/office/drawing/2014/main" id="{2274A470-3FD4-44AD-9DBE-1EC7E984E82B}"/>
-              </a:ext>
-            </a:extLst>
-          </p:cNvPr>
+          <p:cNvPr id="5" name="Footer Placeholder 4"/>
           <p:cNvSpPr>
             <a:spLocks noGrp="1"/>
           </p:cNvSpPr>
@@ -3378,7 +3072,45 @@
           <a:bodyPr vert="horz" lIns="91440" tIns="45720" rIns="91440" bIns="45720" rtlCol="0" anchor="ctr"/>
           <a:lstStyle>
             <a:lvl1pPr algn="ctr">
-              <a:defRPr sz="1200">
+              <a:defRPr sz="1100">
+                <a:solidFill>
+                  <a:schemeClr val="tx1">
+                    <a:lumMod val="65000"/>
+                    <a:lumOff val="35000"/>
+                  </a:schemeClr>
+                </a:solidFill>
+              </a:defRPr>
+            </a:lvl1pPr>
+          </a:lstStyle>
+          <a:p>
+            <a:endParaRPr lang="ko-KR" altLang="en-US"/>
+          </a:p>
+        </p:txBody>
+      </p:sp>
+      <p:sp>
+        <p:nvSpPr>
+          <p:cNvPr id="6" name="Slide Number Placeholder 5"/>
+          <p:cNvSpPr>
+            <a:spLocks noGrp="1"/>
+          </p:cNvSpPr>
+          <p:nvPr>
+            <p:ph type="sldNum" sz="quarter" idx="4"/>
+          </p:nvPr>
+        </p:nvSpPr>
+        <p:spPr>
+          <a:xfrm>
+            <a:off x="8617527" y="6356350"/>
+            <a:ext cx="2743200" cy="365125"/>
+          </a:xfrm>
+          <a:prstGeom prst="rect">
+            <a:avLst/>
+          </a:prstGeom>
+        </p:spPr>
+        <p:txBody>
+          <a:bodyPr vert="horz" lIns="91440" tIns="45720" rIns="91440" bIns="45720" rtlCol="0" anchor="ctr"/>
+          <a:lstStyle>
+            <a:lvl1pPr algn="r">
+              <a:defRPr sz="1100">
                 <a:solidFill>
                   <a:schemeClr val="tx1">
                     <a:tint val="75000"/>
@@ -3388,49 +3120,6 @@
             </a:lvl1pPr>
           </a:lstStyle>
           <a:p>
-            <a:endParaRPr lang="ko-KR" altLang="en-US"/>
-          </a:p>
-        </p:txBody>
-      </p:sp>
-      <p:sp>
-        <p:nvSpPr>
-          <p:cNvPr id="6" name="슬라이드 번호 개체 틀 5">
-            <a:extLst>
-              <a:ext uri="{FF2B5EF4-FFF2-40B4-BE49-F238E27FC236}">
-                <a16:creationId xmlns:a16="http://schemas.microsoft.com/office/drawing/2014/main" id="{35D87D2B-000B-4FFE-BB36-123E37B752A5}"/>
-              </a:ext>
-            </a:extLst>
-          </p:cNvPr>
-          <p:cNvSpPr>
-            <a:spLocks noGrp="1"/>
-          </p:cNvSpPr>
-          <p:nvPr>
-            <p:ph type="sldNum" sz="quarter" idx="4"/>
-          </p:nvPr>
-        </p:nvSpPr>
-        <p:spPr>
-          <a:xfrm>
-            <a:off x="8610600" y="6356350"/>
-            <a:ext cx="2743200" cy="365125"/>
-          </a:xfrm>
-          <a:prstGeom prst="rect">
-            <a:avLst/>
-          </a:prstGeom>
-        </p:spPr>
-        <p:txBody>
-          <a:bodyPr vert="horz" lIns="91440" tIns="45720" rIns="91440" bIns="45720" rtlCol="0" anchor="ctr"/>
-          <a:lstStyle>
-            <a:lvl1pPr algn="r">
-              <a:defRPr sz="1200">
-                <a:solidFill>
-                  <a:schemeClr val="tx1">
-                    <a:tint val="75000"/>
-                  </a:schemeClr>
-                </a:solidFill>
-              </a:defRPr>
-            </a:lvl1pPr>
-          </a:lstStyle>
-          <a:p>
             <a:fld id="{4CB265DF-555B-49D5-B020-778A7D103EB7}" type="slidenum">
               <a:rPr lang="ko-KR" altLang="en-US" smtClean="0"/>
               <a:t>‹#›</a:t>
@@ -3442,23 +3131,23 @@
     </p:spTree>
     <p:extLst>
       <p:ext uri="{BB962C8B-B14F-4D97-AF65-F5344CB8AC3E}">
-        <p14:creationId xmlns:p14="http://schemas.microsoft.com/office/powerpoint/2010/main" val="3094331713"/>
+        <p14:creationId xmlns:p14="http://schemas.microsoft.com/office/powerpoint/2010/main" val="3109104412"/>
       </p:ext>
     </p:extLst>
   </p:cSld>
   <p:clrMap bg1="lt1" tx1="dk1" bg2="lt2" tx2="dk2" accent1="accent1" accent2="accent2" accent3="accent3" accent4="accent4" accent5="accent5" accent6="accent6" hlink="hlink" folHlink="folHlink"/>
   <p:sldLayoutIdLst>
-    <p:sldLayoutId id="2147483649" r:id="rId1"/>
-    <p:sldLayoutId id="2147483650" r:id="rId2"/>
-    <p:sldLayoutId id="2147483651" r:id="rId3"/>
-    <p:sldLayoutId id="2147483652" r:id="rId4"/>
-    <p:sldLayoutId id="2147483653" r:id="rId5"/>
-    <p:sldLayoutId id="2147483654" r:id="rId6"/>
-    <p:sldLayoutId id="2147483655" r:id="rId7"/>
-    <p:sldLayoutId id="2147483656" r:id="rId8"/>
-    <p:sldLayoutId id="2147483657" r:id="rId9"/>
-    <p:sldLayoutId id="2147483658" r:id="rId10"/>
-    <p:sldLayoutId id="2147483659" r:id="rId11"/>
+    <p:sldLayoutId id="2147483661" r:id="rId1"/>
+    <p:sldLayoutId id="2147483662" r:id="rId2"/>
+    <p:sldLayoutId id="2147483663" r:id="rId3"/>
+    <p:sldLayoutId id="2147483664" r:id="rId4"/>
+    <p:sldLayoutId id="2147483665" r:id="rId5"/>
+    <p:sldLayoutId id="2147483666" r:id="rId6"/>
+    <p:sldLayoutId id="2147483667" r:id="rId7"/>
+    <p:sldLayoutId id="2147483668" r:id="rId8"/>
+    <p:sldLayoutId id="2147483669" r:id="rId9"/>
+    <p:sldLayoutId id="2147483670" r:id="rId10"/>
+    <p:sldLayoutId id="2147483671" r:id="rId11"/>
   </p:sldLayoutIdLst>
   <p:txStyles>
     <p:titleStyle>
@@ -3488,8 +3177,8 @@
         <a:spcBef>
           <a:spcPts val="1000"/>
         </a:spcBef>
-        <a:buFont typeface="Arial" panose="020B0604020202020204" pitchFamily="34" charset="0"/>
-        <a:buChar char="•"/>
+        <a:buFont typeface="Wingdings 2" pitchFamily="18" charset="2"/>
+        <a:buChar char=""/>
         <a:defRPr sz="2800" kern="1200">
           <a:solidFill>
             <a:schemeClr val="tx1"/>
@@ -3506,8 +3195,8 @@
         <a:spcBef>
           <a:spcPts val="500"/>
         </a:spcBef>
-        <a:buFont typeface="Arial" panose="020B0604020202020204" pitchFamily="34" charset="0"/>
-        <a:buChar char="•"/>
+        <a:buFont typeface="Wingdings 2" pitchFamily="18" charset="2"/>
+        <a:buChar char=""/>
         <a:defRPr sz="2400" kern="1200">
           <a:solidFill>
             <a:schemeClr val="tx1"/>
@@ -3524,8 +3213,8 @@
         <a:spcBef>
           <a:spcPts val="500"/>
         </a:spcBef>
-        <a:buFont typeface="Arial" panose="020B0604020202020204" pitchFamily="34" charset="0"/>
-        <a:buChar char="•"/>
+        <a:buFont typeface="Wingdings 2" pitchFamily="18" charset="2"/>
+        <a:buChar char=""/>
         <a:defRPr sz="2000" kern="1200">
           <a:solidFill>
             <a:schemeClr val="tx1"/>
@@ -3542,8 +3231,8 @@
         <a:spcBef>
           <a:spcPts val="500"/>
         </a:spcBef>
-        <a:buFont typeface="Arial" panose="020B0604020202020204" pitchFamily="34" charset="0"/>
-        <a:buChar char="•"/>
+        <a:buFont typeface="Wingdings 2" pitchFamily="18" charset="2"/>
+        <a:buChar char=""/>
         <a:defRPr sz="1800" kern="1200">
           <a:solidFill>
             <a:schemeClr val="tx1"/>
@@ -3560,8 +3249,8 @@
         <a:spcBef>
           <a:spcPts val="500"/>
         </a:spcBef>
-        <a:buFont typeface="Arial" panose="020B0604020202020204" pitchFamily="34" charset="0"/>
-        <a:buChar char="•"/>
+        <a:buFont typeface="Wingdings 2" pitchFamily="18" charset="2"/>
+        <a:buChar char=""/>
         <a:defRPr sz="1800" kern="1200">
           <a:solidFill>
             <a:schemeClr val="tx1"/>
@@ -3572,14 +3261,11 @@
         </a:defRPr>
       </a:lvl5pPr>
       <a:lvl6pPr marL="2514600" indent="-228600" algn="l" defTabSz="914400" rtl="0" eaLnBrk="1" latinLnBrk="1" hangingPunct="1">
-        <a:lnSpc>
-          <a:spcPct val="90000"/>
-        </a:lnSpc>
         <a:spcBef>
-          <a:spcPts val="500"/>
+          <a:spcPct val="20000"/>
         </a:spcBef>
-        <a:buFont typeface="Arial" panose="020B0604020202020204" pitchFamily="34" charset="0"/>
-        <a:buChar char="•"/>
+        <a:buFont typeface="Wingdings 2" pitchFamily="18" charset="2"/>
+        <a:buChar char=""/>
         <a:defRPr sz="1800" kern="1200">
           <a:solidFill>
             <a:schemeClr val="tx1"/>
@@ -3590,14 +3276,11 @@
         </a:defRPr>
       </a:lvl6pPr>
       <a:lvl7pPr marL="2971800" indent="-228600" algn="l" defTabSz="914400" rtl="0" eaLnBrk="1" latinLnBrk="1" hangingPunct="1">
-        <a:lnSpc>
-          <a:spcPct val="90000"/>
-        </a:lnSpc>
         <a:spcBef>
-          <a:spcPts val="500"/>
+          <a:spcPct val="20000"/>
         </a:spcBef>
-        <a:buFont typeface="Arial" panose="020B0604020202020204" pitchFamily="34" charset="0"/>
-        <a:buChar char="•"/>
+        <a:buFont typeface="Wingdings 2" pitchFamily="18" charset="2"/>
+        <a:buChar char=""/>
         <a:defRPr sz="1800" kern="1200">
           <a:solidFill>
             <a:schemeClr val="tx1"/>
@@ -3608,14 +3291,11 @@
         </a:defRPr>
       </a:lvl7pPr>
       <a:lvl8pPr marL="3429000" indent="-228600" algn="l" defTabSz="914400" rtl="0" eaLnBrk="1" latinLnBrk="1" hangingPunct="1">
-        <a:lnSpc>
-          <a:spcPct val="90000"/>
-        </a:lnSpc>
         <a:spcBef>
-          <a:spcPts val="500"/>
+          <a:spcPct val="20000"/>
         </a:spcBef>
-        <a:buFont typeface="Arial" panose="020B0604020202020204" pitchFamily="34" charset="0"/>
-        <a:buChar char="•"/>
+        <a:buFont typeface="Wingdings 2" pitchFamily="18" charset="2"/>
+        <a:buChar char=""/>
         <a:defRPr sz="1800" kern="1200">
           <a:solidFill>
             <a:schemeClr val="tx1"/>
@@ -3626,14 +3306,11 @@
         </a:defRPr>
       </a:lvl8pPr>
       <a:lvl9pPr marL="3886200" indent="-228600" algn="l" defTabSz="914400" rtl="0" eaLnBrk="1" latinLnBrk="1" hangingPunct="1">
-        <a:lnSpc>
-          <a:spcPct val="90000"/>
-        </a:lnSpc>
         <a:spcBef>
-          <a:spcPts val="500"/>
+          <a:spcPct val="20000"/>
         </a:spcBef>
-        <a:buFont typeface="Arial" panose="020B0604020202020204" pitchFamily="34" charset="0"/>
-        <a:buChar char="•"/>
+        <a:buFont typeface="Wingdings 2" pitchFamily="18" charset="2"/>
+        <a:buChar char=""/>
         <a:defRPr sz="1800" kern="1200">
           <a:solidFill>
             <a:schemeClr val="tx1"/>
@@ -3646,7 +3323,7 @@
     </p:bodyStyle>
     <p:otherStyle>
       <a:defPPr>
-        <a:defRPr lang="ko-KR"/>
+        <a:defRPr lang="en-US"/>
       </a:defPPr>
       <a:lvl1pPr marL="0" algn="l" defTabSz="914400" rtl="0" eaLnBrk="1" latinLnBrk="1" hangingPunct="1">
         <a:defRPr sz="1800" kern="1200">
@@ -4338,8 +4015,1179 @@
 </p:sld>
 </file>
 
+<file path=ppt/slides/slide5.xml><?xml version="1.0" encoding="utf-8"?>
+<p:sld xmlns:a="http://schemas.openxmlformats.org/drawingml/2006/main" xmlns:r="http://schemas.openxmlformats.org/officeDocument/2006/relationships" xmlns:p="http://schemas.openxmlformats.org/presentationml/2006/main">
+  <p:cSld>
+    <p:spTree>
+      <p:nvGrpSpPr>
+        <p:cNvPr id="1" name=""/>
+        <p:cNvGrpSpPr/>
+        <p:nvPr/>
+      </p:nvGrpSpPr>
+      <p:grpSpPr>
+        <a:xfrm>
+          <a:off x="0" y="0"/>
+          <a:ext cx="0" cy="0"/>
+          <a:chOff x="0" y="0"/>
+          <a:chExt cx="0" cy="0"/>
+        </a:xfrm>
+      </p:grpSpPr>
+      <p:sp>
+        <p:nvSpPr>
+          <p:cNvPr id="4" name="제목 3">
+            <a:extLst>
+              <a:ext uri="{FF2B5EF4-FFF2-40B4-BE49-F238E27FC236}">
+                <a16:creationId xmlns:a16="http://schemas.microsoft.com/office/drawing/2014/main" id="{DBB5A43D-B98D-4EA2-B8B3-15282C7F2647}"/>
+              </a:ext>
+            </a:extLst>
+          </p:cNvPr>
+          <p:cNvSpPr>
+            <a:spLocks noGrp="1"/>
+          </p:cNvSpPr>
+          <p:nvPr>
+            <p:ph type="ctrTitle"/>
+          </p:nvPr>
+        </p:nvSpPr>
+        <p:spPr>
+          <a:xfrm>
+            <a:off x="146136" y="182910"/>
+            <a:ext cx="3248417" cy="1107270"/>
+          </a:xfrm>
+        </p:spPr>
+        <p:txBody>
+          <a:bodyPr>
+            <a:normAutofit/>
+          </a:bodyPr>
+          <a:lstStyle/>
+          <a:p>
+            <a:r>
+              <a:rPr lang="en-US" altLang="ko-KR" dirty="0"/>
+              <a:t>3</a:t>
+            </a:r>
+            <a:r>
+              <a:rPr lang="en-US" altLang="ko-KR"/>
+              <a:t>. </a:t>
+            </a:r>
+            <a:r>
+              <a:rPr lang="ko-KR" altLang="en-US" dirty="0"/>
+              <a:t>캐릭터</a:t>
+            </a:r>
+          </a:p>
+        </p:txBody>
+      </p:sp>
+      <p:sp>
+        <p:nvSpPr>
+          <p:cNvPr id="2" name="TextBox 1">
+            <a:extLst>
+              <a:ext uri="{FF2B5EF4-FFF2-40B4-BE49-F238E27FC236}">
+                <a16:creationId xmlns:a16="http://schemas.microsoft.com/office/drawing/2014/main" id="{DE9639E1-087D-4307-B141-0013CF656F49}"/>
+              </a:ext>
+            </a:extLst>
+          </p:cNvPr>
+          <p:cNvSpPr txBox="1"/>
+          <p:nvPr/>
+        </p:nvSpPr>
+        <p:spPr>
+          <a:xfrm>
+            <a:off x="2066795" y="1828800"/>
+            <a:ext cx="5285983" cy="646331"/>
+          </a:xfrm>
+          <a:prstGeom prst="rect">
+            <a:avLst/>
+          </a:prstGeom>
+          <a:noFill/>
+        </p:spPr>
+        <p:txBody>
+          <a:bodyPr wrap="square" rtlCol="0">
+            <a:spAutoFit/>
+          </a:bodyPr>
+          <a:lstStyle/>
+          <a:p>
+            <a:r>
+              <a:rPr lang="ko-KR" altLang="en-US" dirty="0"/>
+              <a:t>캐릭터가 음료를 마시면 </a:t>
+            </a:r>
+            <a:endParaRPr lang="en-US" altLang="ko-KR" dirty="0"/>
+          </a:p>
+          <a:p>
+            <a:r>
+              <a:rPr lang="ko-KR" altLang="en-US" dirty="0"/>
+              <a:t>얼굴이 음료 색으로 변하는 </a:t>
+            </a:r>
+            <a:r>
+              <a:rPr lang="ko-KR" altLang="en-US"/>
+              <a:t>하마 </a:t>
+            </a:r>
+            <a:endParaRPr lang="en-US" altLang="ko-KR" dirty="0"/>
+          </a:p>
+        </p:txBody>
+      </p:sp>
+    </p:spTree>
+    <p:extLst>
+      <p:ext uri="{BB962C8B-B14F-4D97-AF65-F5344CB8AC3E}">
+        <p14:creationId xmlns:p14="http://schemas.microsoft.com/office/powerpoint/2010/main" val="3704427474"/>
+      </p:ext>
+    </p:extLst>
+  </p:cSld>
+  <p:clrMapOvr>
+    <a:masterClrMapping/>
+  </p:clrMapOvr>
+</p:sld>
+</file>
+
+<file path=ppt/slides/slide6.xml><?xml version="1.0" encoding="utf-8"?>
+<p:sld xmlns:a="http://schemas.openxmlformats.org/drawingml/2006/main" xmlns:r="http://schemas.openxmlformats.org/officeDocument/2006/relationships" xmlns:p="http://schemas.openxmlformats.org/presentationml/2006/main">
+  <p:cSld>
+    <p:bg>
+      <p:bgPr>
+        <a:solidFill>
+          <a:schemeClr val="bg1"/>
+        </a:solidFill>
+        <a:effectLst/>
+      </p:bgPr>
+    </p:bg>
+    <p:spTree>
+      <p:nvGrpSpPr>
+        <p:cNvPr id="1" name=""/>
+        <p:cNvGrpSpPr/>
+        <p:nvPr/>
+      </p:nvGrpSpPr>
+      <p:grpSpPr>
+        <a:xfrm>
+          <a:off x="0" y="0"/>
+          <a:ext cx="0" cy="0"/>
+          <a:chOff x="0" y="0"/>
+          <a:chExt cx="0" cy="0"/>
+        </a:xfrm>
+      </p:grpSpPr>
+      <p:sp>
+        <p:nvSpPr>
+          <p:cNvPr id="15" name="직사각형 14">
+            <a:extLst>
+              <a:ext uri="{FF2B5EF4-FFF2-40B4-BE49-F238E27FC236}">
+                <a16:creationId xmlns:a16="http://schemas.microsoft.com/office/drawing/2014/main" id="{1536E699-78FA-45CD-AF14-466C3174F83F}"/>
+              </a:ext>
+            </a:extLst>
+          </p:cNvPr>
+          <p:cNvSpPr/>
+          <p:nvPr/>
+        </p:nvSpPr>
+        <p:spPr>
+          <a:xfrm>
+            <a:off x="5147781" y="1243454"/>
+            <a:ext cx="4463147" cy="2850061"/>
+          </a:xfrm>
+          <a:prstGeom prst="rect">
+            <a:avLst/>
+          </a:prstGeom>
+          <a:solidFill>
+            <a:schemeClr val="accent2">
+              <a:lumMod val="60000"/>
+              <a:lumOff val="40000"/>
+              <a:alpha val="20000"/>
+            </a:schemeClr>
+          </a:solidFill>
+        </p:spPr>
+        <p:style>
+          <a:lnRef idx="2">
+            <a:schemeClr val="accent1">
+              <a:shade val="50000"/>
+            </a:schemeClr>
+          </a:lnRef>
+          <a:fillRef idx="1">
+            <a:schemeClr val="accent1"/>
+          </a:fillRef>
+          <a:effectRef idx="0">
+            <a:schemeClr val="accent1"/>
+          </a:effectRef>
+          <a:fontRef idx="minor">
+            <a:schemeClr val="lt1"/>
+          </a:fontRef>
+        </p:style>
+        <p:txBody>
+          <a:bodyPr rtlCol="0" anchor="ctr"/>
+          <a:lstStyle/>
+          <a:p>
+            <a:pPr algn="ctr"/>
+            <a:endParaRPr lang="ko-KR" altLang="en-US"/>
+          </a:p>
+        </p:txBody>
+      </p:sp>
+      <p:sp>
+        <p:nvSpPr>
+          <p:cNvPr id="14" name="직사각형 13">
+            <a:extLst>
+              <a:ext uri="{FF2B5EF4-FFF2-40B4-BE49-F238E27FC236}">
+                <a16:creationId xmlns:a16="http://schemas.microsoft.com/office/drawing/2014/main" id="{C7DCD5E8-6B61-4A00-BA6E-BE6B82FA52F6}"/>
+              </a:ext>
+            </a:extLst>
+          </p:cNvPr>
+          <p:cNvSpPr/>
+          <p:nvPr/>
+        </p:nvSpPr>
+        <p:spPr>
+          <a:xfrm>
+            <a:off x="457201" y="1243455"/>
+            <a:ext cx="4542817" cy="2850061"/>
+          </a:xfrm>
+          <a:prstGeom prst="rect">
+            <a:avLst/>
+          </a:prstGeom>
+          <a:solidFill>
+            <a:schemeClr val="accent2">
+              <a:lumMod val="60000"/>
+              <a:lumOff val="40000"/>
+              <a:alpha val="20000"/>
+            </a:schemeClr>
+          </a:solidFill>
+        </p:spPr>
+        <p:style>
+          <a:lnRef idx="2">
+            <a:schemeClr val="accent1">
+              <a:shade val="50000"/>
+            </a:schemeClr>
+          </a:lnRef>
+          <a:fillRef idx="1">
+            <a:schemeClr val="accent1"/>
+          </a:fillRef>
+          <a:effectRef idx="0">
+            <a:schemeClr val="accent1"/>
+          </a:effectRef>
+          <a:fontRef idx="minor">
+            <a:schemeClr val="lt1"/>
+          </a:fontRef>
+        </p:style>
+        <p:txBody>
+          <a:bodyPr rtlCol="0" anchor="ctr"/>
+          <a:lstStyle/>
+          <a:p>
+            <a:pPr algn="ctr"/>
+            <a:endParaRPr lang="ko-KR" altLang="en-US"/>
+          </a:p>
+        </p:txBody>
+      </p:sp>
+      <p:sp>
+        <p:nvSpPr>
+          <p:cNvPr id="4" name="제목 3">
+            <a:extLst>
+              <a:ext uri="{FF2B5EF4-FFF2-40B4-BE49-F238E27FC236}">
+                <a16:creationId xmlns:a16="http://schemas.microsoft.com/office/drawing/2014/main" id="{DBB5A43D-B98D-4EA2-B8B3-15282C7F2647}"/>
+              </a:ext>
+            </a:extLst>
+          </p:cNvPr>
+          <p:cNvSpPr>
+            <a:spLocks noGrp="1"/>
+          </p:cNvSpPr>
+          <p:nvPr>
+            <p:ph type="ctrTitle"/>
+          </p:nvPr>
+        </p:nvSpPr>
+        <p:spPr>
+          <a:xfrm>
+            <a:off x="1202987" y="193094"/>
+            <a:ext cx="10058400" cy="962575"/>
+          </a:xfrm>
+          <a:effectLst>
+            <a:outerShdw blurRad="50800" dist="38100" dir="2700000" algn="tl" rotWithShape="0">
+              <a:prstClr val="black">
+                <a:alpha val="40000"/>
+              </a:prstClr>
+            </a:outerShdw>
+          </a:effectLst>
+        </p:spPr>
+        <p:txBody>
+          <a:bodyPr>
+            <a:normAutofit/>
+          </a:bodyPr>
+          <a:lstStyle/>
+          <a:p>
+            <a:r>
+              <a:rPr lang="ko-KR" altLang="en-US" sz="5200" dirty="0" err="1">
+                <a:solidFill>
+                  <a:schemeClr val="accent1">
+                    <a:lumMod val="75000"/>
+                  </a:schemeClr>
+                </a:solidFill>
+                <a:latin typeface="상주곶감체" panose="020B0600000101010101" pitchFamily="50" charset="-127"/>
+                <a:ea typeface="상주곶감체" panose="020B0600000101010101" pitchFamily="50" charset="-127"/>
+                <a:cs typeface="상주곶감체" panose="020B0600000101010101" pitchFamily="50" charset="-127"/>
+              </a:rPr>
+              <a:t>리액트</a:t>
+            </a:r>
+            <a:r>
+              <a:rPr lang="ko-KR" altLang="en-US" sz="5200" dirty="0">
+                <a:solidFill>
+                  <a:schemeClr val="accent1">
+                    <a:lumMod val="75000"/>
+                  </a:schemeClr>
+                </a:solidFill>
+                <a:latin typeface="상주곶감체" panose="020B0600000101010101" pitchFamily="50" charset="-127"/>
+                <a:ea typeface="상주곶감체" panose="020B0600000101010101" pitchFamily="50" charset="-127"/>
+                <a:cs typeface="상주곶감체" panose="020B0600000101010101" pitchFamily="50" charset="-127"/>
+              </a:rPr>
+              <a:t> 초보 </a:t>
+            </a:r>
+            <a:r>
+              <a:rPr lang="ko-KR" altLang="en-US" sz="5200" dirty="0" err="1">
+                <a:solidFill>
+                  <a:schemeClr val="accent1">
+                    <a:lumMod val="75000"/>
+                  </a:schemeClr>
+                </a:solidFill>
+                <a:latin typeface="상주곶감체" panose="020B0600000101010101" pitchFamily="50" charset="-127"/>
+                <a:ea typeface="상주곶감체" panose="020B0600000101010101" pitchFamily="50" charset="-127"/>
+                <a:cs typeface="상주곶감체" panose="020B0600000101010101" pitchFamily="50" charset="-127"/>
+              </a:rPr>
+              <a:t>뿌시기</a:t>
+            </a:r>
+            <a:r>
+              <a:rPr lang="en-US" altLang="ko-KR" sz="5200" dirty="0">
+                <a:solidFill>
+                  <a:schemeClr val="accent1">
+                    <a:lumMod val="75000"/>
+                  </a:schemeClr>
+                </a:solidFill>
+                <a:latin typeface="상주곶감체" panose="020B0600000101010101" pitchFamily="50" charset="-127"/>
+                <a:ea typeface="상주곶감체" panose="020B0600000101010101" pitchFamily="50" charset="-127"/>
+                <a:cs typeface="상주곶감체" panose="020B0600000101010101" pitchFamily="50" charset="-127"/>
+              </a:rPr>
+              <a:t>!</a:t>
+            </a:r>
+            <a:endParaRPr lang="ko-KR" altLang="en-US" sz="5200" dirty="0">
+              <a:solidFill>
+                <a:schemeClr val="accent1">
+                  <a:lumMod val="75000"/>
+                </a:schemeClr>
+              </a:solidFill>
+              <a:latin typeface="상주곶감체" panose="020B0600000101010101" pitchFamily="50" charset="-127"/>
+              <a:ea typeface="상주곶감체" panose="020B0600000101010101" pitchFamily="50" charset="-127"/>
+              <a:cs typeface="상주곶감체" panose="020B0600000101010101" pitchFamily="50" charset="-127"/>
+            </a:endParaRPr>
+          </a:p>
+        </p:txBody>
+      </p:sp>
+      <p:grpSp>
+        <p:nvGrpSpPr>
+          <p:cNvPr id="16" name="그룹 15">
+            <a:extLst>
+              <a:ext uri="{FF2B5EF4-FFF2-40B4-BE49-F238E27FC236}">
+                <a16:creationId xmlns:a16="http://schemas.microsoft.com/office/drawing/2014/main" id="{21146D75-C74A-42D4-BABC-8CF7989510ED}"/>
+              </a:ext>
+            </a:extLst>
+          </p:cNvPr>
+          <p:cNvGrpSpPr/>
+          <p:nvPr/>
+        </p:nvGrpSpPr>
+        <p:grpSpPr>
+          <a:xfrm>
+            <a:off x="707263" y="1403497"/>
+            <a:ext cx="4042692" cy="2529976"/>
+            <a:chOff x="874254" y="2025204"/>
+            <a:chExt cx="4042692" cy="2529976"/>
+          </a:xfrm>
+        </p:grpSpPr>
+        <p:sp>
+          <p:nvSpPr>
+            <p:cNvPr id="3" name="TextBox 2">
+              <a:extLst>
+                <a:ext uri="{FF2B5EF4-FFF2-40B4-BE49-F238E27FC236}">
+                  <a16:creationId xmlns:a16="http://schemas.microsoft.com/office/drawing/2014/main" id="{352963F6-235C-4979-85F2-5C6E6FAC0DC5}"/>
+                </a:ext>
+              </a:extLst>
+            </p:cNvPr>
+            <p:cNvSpPr txBox="1"/>
+            <p:nvPr/>
+          </p:nvSpPr>
+          <p:spPr>
+            <a:xfrm>
+              <a:off x="874254" y="2025204"/>
+              <a:ext cx="4042692" cy="369332"/>
+            </a:xfrm>
+            <a:prstGeom prst="rect">
+              <a:avLst/>
+            </a:prstGeom>
+            <a:solidFill>
+              <a:schemeClr val="accent4">
+                <a:lumMod val="60000"/>
+                <a:lumOff val="40000"/>
+              </a:schemeClr>
+            </a:solidFill>
+          </p:spPr>
+          <p:txBody>
+            <a:bodyPr wrap="square" rtlCol="0">
+              <a:spAutoFit/>
+            </a:bodyPr>
+            <a:lstStyle/>
+            <a:p>
+              <a:r>
+                <a:rPr lang="en-US" altLang="ko-KR" dirty="0">
+                  <a:latin typeface="상주다정다감체" panose="020B0600000101010101" pitchFamily="50" charset="-127"/>
+                  <a:ea typeface="상주다정다감체" panose="020B0600000101010101" pitchFamily="50" charset="-127"/>
+                </a:rPr>
+                <a:t>1. </a:t>
+              </a:r>
+              <a:r>
+                <a:rPr lang="ko-KR" altLang="en-US" dirty="0" err="1">
+                  <a:latin typeface="상주다정다감체" panose="020B0600000101010101" pitchFamily="50" charset="-127"/>
+                  <a:ea typeface="상주다정다감체" panose="020B0600000101010101" pitchFamily="50" charset="-127"/>
+                </a:rPr>
+                <a:t>리액트</a:t>
+              </a:r>
+              <a:r>
+                <a:rPr lang="ko-KR" altLang="en-US" dirty="0">
+                  <a:latin typeface="상주다정다감체" panose="020B0600000101010101" pitchFamily="50" charset="-127"/>
+                  <a:ea typeface="상주다정다감체" panose="020B0600000101010101" pitchFamily="50" charset="-127"/>
+                </a:rPr>
+                <a:t> </a:t>
+              </a:r>
+              <a:r>
+                <a:rPr lang="en-US" altLang="ko-KR" dirty="0">
+                  <a:latin typeface="상주다정다감체" panose="020B0600000101010101" pitchFamily="50" charset="-127"/>
+                  <a:ea typeface="상주다정다감체" panose="020B0600000101010101" pitchFamily="50" charset="-127"/>
+                </a:rPr>
+                <a:t>-&gt; </a:t>
+              </a:r>
+              <a:r>
+                <a:rPr lang="ko-KR" altLang="en-US" dirty="0">
+                  <a:latin typeface="상주다정다감체" panose="020B0600000101010101" pitchFamily="50" charset="-127"/>
+                  <a:ea typeface="상주다정다감체" panose="020B0600000101010101" pitchFamily="50" charset="-127"/>
+                </a:rPr>
+                <a:t>목록 사이트 </a:t>
+              </a:r>
+              <a:r>
+                <a:rPr lang="en-US" altLang="ko-KR" dirty="0">
+                  <a:latin typeface="상주다정다감체" panose="020B0600000101010101" pitchFamily="50" charset="-127"/>
+                  <a:ea typeface="상주다정다감체" panose="020B0600000101010101" pitchFamily="50" charset="-127"/>
+                </a:rPr>
+                <a:t>(</a:t>
+              </a:r>
+              <a:r>
+                <a:rPr lang="ko-KR" altLang="en-US" dirty="0">
+                  <a:latin typeface="상주다정다감체" panose="020B0600000101010101" pitchFamily="50" charset="-127"/>
+                  <a:ea typeface="상주다정다감체" panose="020B0600000101010101" pitchFamily="50" charset="-127"/>
+                </a:rPr>
+                <a:t>개인 앨범</a:t>
+              </a:r>
+              <a:r>
+                <a:rPr lang="en-US" altLang="ko-KR" dirty="0">
+                  <a:latin typeface="상주다정다감체" panose="020B0600000101010101" pitchFamily="50" charset="-127"/>
+                  <a:ea typeface="상주다정다감체" panose="020B0600000101010101" pitchFamily="50" charset="-127"/>
+                </a:rPr>
+                <a:t>,</a:t>
+              </a:r>
+              <a:r>
+                <a:rPr lang="ko-KR" altLang="en-US" dirty="0">
+                  <a:latin typeface="상주다정다감체" panose="020B0600000101010101" pitchFamily="50" charset="-127"/>
+                  <a:ea typeface="상주다정다감체" panose="020B0600000101010101" pitchFamily="50" charset="-127"/>
+                </a:rPr>
+                <a:t>영화</a:t>
+              </a:r>
+              <a:r>
+                <a:rPr lang="en-US" altLang="ko-KR" dirty="0">
+                  <a:latin typeface="상주다정다감체" panose="020B0600000101010101" pitchFamily="50" charset="-127"/>
+                  <a:ea typeface="상주다정다감체" panose="020B0600000101010101" pitchFamily="50" charset="-127"/>
+                </a:rPr>
+                <a:t>, </a:t>
+              </a:r>
+              <a:r>
+                <a:rPr lang="ko-KR" altLang="en-US" dirty="0">
+                  <a:latin typeface="상주다정다감체" panose="020B0600000101010101" pitchFamily="50" charset="-127"/>
+                  <a:ea typeface="상주다정다감체" panose="020B0600000101010101" pitchFamily="50" charset="-127"/>
+                </a:rPr>
+                <a:t>다이어리 등</a:t>
+              </a:r>
+              <a:r>
+                <a:rPr lang="en-US" altLang="ko-KR" dirty="0">
+                  <a:latin typeface="상주다정다감체" panose="020B0600000101010101" pitchFamily="50" charset="-127"/>
+                  <a:ea typeface="상주다정다감체" panose="020B0600000101010101" pitchFamily="50" charset="-127"/>
+                </a:rPr>
+                <a:t>)</a:t>
+              </a:r>
+              <a:endParaRPr lang="ko-KR" altLang="en-US" dirty="0">
+                <a:latin typeface="상주다정다감체" panose="020B0600000101010101" pitchFamily="50" charset="-127"/>
+                <a:ea typeface="상주다정다감체" panose="020B0600000101010101" pitchFamily="50" charset="-127"/>
+              </a:endParaRPr>
+            </a:p>
+          </p:txBody>
+        </p:sp>
+        <p:sp>
+          <p:nvSpPr>
+            <p:cNvPr id="5" name="TextBox 4">
+              <a:extLst>
+                <a:ext uri="{FF2B5EF4-FFF2-40B4-BE49-F238E27FC236}">
+                  <a16:creationId xmlns:a16="http://schemas.microsoft.com/office/drawing/2014/main" id="{01870AC2-4977-4BDC-951C-9F01BD4519A9}"/>
+                </a:ext>
+              </a:extLst>
+            </p:cNvPr>
+            <p:cNvSpPr txBox="1"/>
+            <p:nvPr/>
+          </p:nvSpPr>
+          <p:spPr>
+            <a:xfrm>
+              <a:off x="874254" y="2523855"/>
+              <a:ext cx="4042692" cy="2031325"/>
+            </a:xfrm>
+            <a:prstGeom prst="rect">
+              <a:avLst/>
+            </a:prstGeom>
+            <a:solidFill>
+              <a:schemeClr val="accent4">
+                <a:lumMod val="60000"/>
+                <a:lumOff val="40000"/>
+              </a:schemeClr>
+            </a:solidFill>
+          </p:spPr>
+          <p:txBody>
+            <a:bodyPr wrap="square" rtlCol="0">
+              <a:spAutoFit/>
+            </a:bodyPr>
+            <a:lstStyle/>
+            <a:p>
+              <a:pPr marL="342900" indent="-342900">
+                <a:buAutoNum type="alphaLcParenR"/>
+              </a:pPr>
+              <a:r>
+                <a:rPr lang="ko-KR" altLang="en-US" dirty="0" err="1">
+                  <a:latin typeface="상주다정다감체" panose="020B0600000101010101" pitchFamily="50" charset="-127"/>
+                  <a:ea typeface="상주다정다감체" panose="020B0600000101010101" pitchFamily="50" charset="-127"/>
+                </a:rPr>
+                <a:t>노마드</a:t>
+              </a:r>
+              <a:r>
+                <a:rPr lang="ko-KR" altLang="en-US" dirty="0">
+                  <a:latin typeface="상주다정다감체" panose="020B0600000101010101" pitchFamily="50" charset="-127"/>
+                  <a:ea typeface="상주다정다감체" panose="020B0600000101010101" pitchFamily="50" charset="-127"/>
+                </a:rPr>
+                <a:t> </a:t>
+              </a:r>
+              <a:r>
+                <a:rPr lang="ko-KR" altLang="en-US" dirty="0" err="1">
+                  <a:latin typeface="상주다정다감체" panose="020B0600000101010101" pitchFamily="50" charset="-127"/>
+                  <a:ea typeface="상주다정다감체" panose="020B0600000101010101" pitchFamily="50" charset="-127"/>
+                </a:rPr>
+                <a:t>코더</a:t>
+              </a:r>
+              <a:r>
+                <a:rPr lang="ko-KR" altLang="en-US" dirty="0">
+                  <a:latin typeface="상주다정다감체" panose="020B0600000101010101" pitchFamily="50" charset="-127"/>
+                  <a:ea typeface="상주다정다감체" panose="020B0600000101010101" pitchFamily="50" charset="-127"/>
+                </a:rPr>
+                <a:t> </a:t>
+              </a:r>
+              <a:r>
+                <a:rPr lang="en-US" altLang="ko-KR" dirty="0">
+                  <a:latin typeface="상주다정다감체" panose="020B0600000101010101" pitchFamily="50" charset="-127"/>
+                  <a:ea typeface="상주다정다감체" panose="020B0600000101010101" pitchFamily="50" charset="-127"/>
+                </a:rPr>
+                <a:t>– </a:t>
+              </a:r>
+              <a:r>
+                <a:rPr lang="ko-KR" altLang="en-US" dirty="0" err="1">
+                  <a:latin typeface="상주다정다감체" panose="020B0600000101010101" pitchFamily="50" charset="-127"/>
+                  <a:ea typeface="상주다정다감체" panose="020B0600000101010101" pitchFamily="50" charset="-127"/>
+                </a:rPr>
+                <a:t>리액트</a:t>
+              </a:r>
+              <a:r>
+                <a:rPr lang="ko-KR" altLang="en-US" dirty="0">
+                  <a:latin typeface="상주다정다감체" panose="020B0600000101010101" pitchFamily="50" charset="-127"/>
+                  <a:ea typeface="상주다정다감체" panose="020B0600000101010101" pitchFamily="50" charset="-127"/>
+                </a:rPr>
+                <a:t> 영화 사이트 만들기 강의</a:t>
+              </a:r>
+              <a:endParaRPr lang="en-US" altLang="ko-KR" dirty="0">
+                <a:latin typeface="상주다정다감체" panose="020B0600000101010101" pitchFamily="50" charset="-127"/>
+                <a:ea typeface="상주다정다감체" panose="020B0600000101010101" pitchFamily="50" charset="-127"/>
+              </a:endParaRPr>
+            </a:p>
+            <a:p>
+              <a:r>
+                <a:rPr lang="en-US" altLang="ko-KR" dirty="0">
+                  <a:latin typeface="상주다정다감체" panose="020B0600000101010101" pitchFamily="50" charset="-127"/>
+                  <a:ea typeface="상주다정다감체" panose="020B0600000101010101" pitchFamily="50" charset="-127"/>
+                </a:rPr>
+                <a:t>       </a:t>
+              </a:r>
+              <a:r>
+                <a:rPr lang="ko-KR" altLang="en-US" dirty="0">
+                  <a:latin typeface="상주다정다감체" panose="020B0600000101010101" pitchFamily="50" charset="-127"/>
+                  <a:ea typeface="상주다정다감체" panose="020B0600000101010101" pitchFamily="50" charset="-127"/>
+                </a:rPr>
+                <a:t>혹은  </a:t>
+              </a:r>
+              <a:r>
+                <a:rPr lang="ko-KR" altLang="en-US" dirty="0" err="1">
+                  <a:latin typeface="상주다정다감체" panose="020B0600000101010101" pitchFamily="50" charset="-127"/>
+                  <a:ea typeface="상주다정다감체" panose="020B0600000101010101" pitchFamily="50" charset="-127"/>
+                </a:rPr>
+                <a:t>멋사</a:t>
+              </a:r>
+              <a:r>
+                <a:rPr lang="ko-KR" altLang="en-US" dirty="0">
+                  <a:latin typeface="상주다정다감체" panose="020B0600000101010101" pitchFamily="50" charset="-127"/>
+                  <a:ea typeface="상주다정다감체" panose="020B0600000101010101" pitchFamily="50" charset="-127"/>
+                </a:rPr>
+                <a:t> </a:t>
+              </a:r>
+              <a:r>
+                <a:rPr lang="en-US" altLang="ko-KR" dirty="0">
+                  <a:latin typeface="상주다정다감체" panose="020B0600000101010101" pitchFamily="50" charset="-127"/>
+                  <a:ea typeface="상주다정다감체" panose="020B0600000101010101" pitchFamily="50" charset="-127"/>
+                </a:rPr>
+                <a:t>- apple </a:t>
+              </a:r>
+              <a:r>
+                <a:rPr lang="ko-KR" altLang="en-US" dirty="0">
+                  <a:latin typeface="상주다정다감체" panose="020B0600000101010101" pitchFamily="50" charset="-127"/>
+                  <a:ea typeface="상주다정다감체" panose="020B0600000101010101" pitchFamily="50" charset="-127"/>
+                </a:rPr>
+                <a:t>사이트 코딩</a:t>
+              </a:r>
+              <a:endParaRPr lang="en-US" altLang="ko-KR" dirty="0">
+                <a:latin typeface="상주다정다감체" panose="020B0600000101010101" pitchFamily="50" charset="-127"/>
+                <a:ea typeface="상주다정다감체" panose="020B0600000101010101" pitchFamily="50" charset="-127"/>
+              </a:endParaRPr>
+            </a:p>
+            <a:p>
+              <a:endParaRPr lang="en-US" altLang="ko-KR" dirty="0">
+                <a:latin typeface="상주다정다감체" panose="020B0600000101010101" pitchFamily="50" charset="-127"/>
+                <a:ea typeface="상주다정다감체" panose="020B0600000101010101" pitchFamily="50" charset="-127"/>
+              </a:endParaRPr>
+            </a:p>
+            <a:p>
+              <a:r>
+                <a:rPr lang="en-US" altLang="ko-KR" dirty="0">
+                  <a:latin typeface="상주다정다감체" panose="020B0600000101010101" pitchFamily="50" charset="-127"/>
+                  <a:ea typeface="상주다정다감체" panose="020B0600000101010101" pitchFamily="50" charset="-127"/>
+                </a:rPr>
+                <a:t>b-1) </a:t>
+              </a:r>
+              <a:r>
+                <a:rPr lang="ko-KR" altLang="en-US" dirty="0" err="1">
+                  <a:latin typeface="상주다정다감체" panose="020B0600000101010101" pitchFamily="50" charset="-127"/>
+                  <a:ea typeface="상주다정다감체" panose="020B0600000101010101" pitchFamily="50" charset="-127"/>
+                </a:rPr>
+                <a:t>제주코딩베이스</a:t>
+              </a:r>
+              <a:r>
+                <a:rPr lang="ko-KR" altLang="en-US" dirty="0">
+                  <a:latin typeface="상주다정다감체" panose="020B0600000101010101" pitchFamily="50" charset="-127"/>
+                  <a:ea typeface="상주다정다감체" panose="020B0600000101010101" pitchFamily="50" charset="-127"/>
+                </a:rPr>
+                <a:t> 과제 중 영화 사이트 만들었던 것 바탕으로 </a:t>
+              </a:r>
+              <a:r>
+                <a:rPr lang="ko-KR" altLang="en-US" dirty="0" err="1">
+                  <a:latin typeface="상주다정다감체" panose="020B0600000101010101" pitchFamily="50" charset="-127"/>
+                  <a:ea typeface="상주다정다감체" panose="020B0600000101010101" pitchFamily="50" charset="-127"/>
+                </a:rPr>
+                <a:t>리액트</a:t>
+              </a:r>
+              <a:r>
+                <a:rPr lang="ko-KR" altLang="en-US" dirty="0">
+                  <a:latin typeface="상주다정다감체" panose="020B0600000101010101" pitchFamily="50" charset="-127"/>
+                  <a:ea typeface="상주다정다감체" panose="020B0600000101010101" pitchFamily="50" charset="-127"/>
+                </a:rPr>
+                <a:t> 구현</a:t>
+              </a:r>
+              <a:endParaRPr lang="en-US" altLang="ko-KR" dirty="0">
+                <a:latin typeface="상주다정다감체" panose="020B0600000101010101" pitchFamily="50" charset="-127"/>
+                <a:ea typeface="상주다정다감체" panose="020B0600000101010101" pitchFamily="50" charset="-127"/>
+              </a:endParaRPr>
+            </a:p>
+            <a:p>
+              <a:r>
+                <a:rPr lang="en-US" altLang="ko-KR" dirty="0">
+                  <a:latin typeface="상주다정다감체" panose="020B0600000101010101" pitchFamily="50" charset="-127"/>
+                  <a:ea typeface="상주다정다감체" panose="020B0600000101010101" pitchFamily="50" charset="-127"/>
+                </a:rPr>
+                <a:t>b-2) </a:t>
+              </a:r>
+              <a:r>
+                <a:rPr lang="ko-KR" altLang="en-US" dirty="0">
+                  <a:latin typeface="상주다정다감체" panose="020B0600000101010101" pitchFamily="50" charset="-127"/>
+                  <a:ea typeface="상주다정다감체" panose="020B0600000101010101" pitchFamily="50" charset="-127"/>
+                </a:rPr>
+                <a:t>혹은 </a:t>
+              </a:r>
+              <a:r>
+                <a:rPr lang="en-US" altLang="ko-KR" dirty="0">
+                  <a:latin typeface="상주다정다감체" panose="020B0600000101010101" pitchFamily="50" charset="-127"/>
+                  <a:ea typeface="상주다정다감체" panose="020B0600000101010101" pitchFamily="50" charset="-127"/>
+                </a:rPr>
+                <a:t>3d </a:t>
+              </a:r>
+              <a:r>
+                <a:rPr lang="ko-KR" altLang="en-US" dirty="0">
+                  <a:latin typeface="상주다정다감체" panose="020B0600000101010101" pitchFamily="50" charset="-127"/>
+                  <a:ea typeface="상주다정다감체" panose="020B0600000101010101" pitchFamily="50" charset="-127"/>
+                </a:rPr>
+                <a:t>슬라이드 형식으로 넘어가는 목록 사이트 구현</a:t>
+              </a:r>
+            </a:p>
+          </p:txBody>
+        </p:sp>
+      </p:grpSp>
+      <p:pic>
+        <p:nvPicPr>
+          <p:cNvPr id="7" name="그림 6" descr="텍스트, 사람이(가) 표시된 사진&#10;&#10;자동 생성된 설명">
+            <a:extLst>
+              <a:ext uri="{FF2B5EF4-FFF2-40B4-BE49-F238E27FC236}">
+                <a16:creationId xmlns:a16="http://schemas.microsoft.com/office/drawing/2014/main" id="{0EEFBB5A-2CE6-426C-9FDC-20F6639D4CE8}"/>
+              </a:ext>
+            </a:extLst>
+          </p:cNvPr>
+          <p:cNvPicPr>
+            <a:picLocks noChangeAspect="1"/>
+          </p:cNvPicPr>
+          <p:nvPr/>
+        </p:nvPicPr>
+        <p:blipFill>
+          <a:blip r:embed="rId2">
+            <a:extLst>
+              <a:ext uri="{28A0092B-C50C-407E-A947-70E740481C1C}">
+                <a14:useLocalDpi xmlns:a14="http://schemas.microsoft.com/office/drawing/2010/main" val="0"/>
+              </a:ext>
+            </a:extLst>
+          </a:blip>
+          <a:stretch>
+            <a:fillRect/>
+          </a:stretch>
+        </p:blipFill>
+        <p:spPr>
+          <a:xfrm>
+            <a:off x="847700" y="4438224"/>
+            <a:ext cx="3375953" cy="1668925"/>
+          </a:xfrm>
+          <a:prstGeom prst="rect">
+            <a:avLst/>
+          </a:prstGeom>
+        </p:spPr>
+      </p:pic>
+      <p:sp>
+        <p:nvSpPr>
+          <p:cNvPr id="9" name="TextBox 8">
+            <a:extLst>
+              <a:ext uri="{FF2B5EF4-FFF2-40B4-BE49-F238E27FC236}">
+                <a16:creationId xmlns:a16="http://schemas.microsoft.com/office/drawing/2014/main" id="{1A72D862-EF44-40E4-B96B-D46C8D0880F5}"/>
+              </a:ext>
+            </a:extLst>
+          </p:cNvPr>
+          <p:cNvSpPr txBox="1"/>
+          <p:nvPr/>
+        </p:nvSpPr>
+        <p:spPr>
+          <a:xfrm>
+            <a:off x="1040632" y="6183182"/>
+            <a:ext cx="3375953" cy="369332"/>
+          </a:xfrm>
+          <a:prstGeom prst="rect">
+            <a:avLst/>
+          </a:prstGeom>
+          <a:noFill/>
+        </p:spPr>
+        <p:txBody>
+          <a:bodyPr wrap="square">
+            <a:spAutoFit/>
+          </a:bodyPr>
+          <a:lstStyle/>
+          <a:p>
+            <a:r>
+              <a:rPr lang="ko-KR" altLang="en-US" dirty="0"/>
+              <a:t>https://youtu.be/j1-Ak3WWV_g</a:t>
+            </a:r>
+          </a:p>
+        </p:txBody>
+      </p:sp>
+      <p:grpSp>
+        <p:nvGrpSpPr>
+          <p:cNvPr id="17" name="그룹 16">
+            <a:extLst>
+              <a:ext uri="{FF2B5EF4-FFF2-40B4-BE49-F238E27FC236}">
+                <a16:creationId xmlns:a16="http://schemas.microsoft.com/office/drawing/2014/main" id="{A17F0AA2-8053-4927-B200-709951ED7CB9}"/>
+              </a:ext>
+            </a:extLst>
+          </p:cNvPr>
+          <p:cNvGrpSpPr/>
+          <p:nvPr/>
+        </p:nvGrpSpPr>
+        <p:grpSpPr>
+          <a:xfrm>
+            <a:off x="5397842" y="1424038"/>
+            <a:ext cx="4042693" cy="2243290"/>
+            <a:chOff x="874254" y="4649214"/>
+            <a:chExt cx="4042692" cy="2004962"/>
+          </a:xfrm>
+        </p:grpSpPr>
+        <p:sp>
+          <p:nvSpPr>
+            <p:cNvPr id="10" name="TextBox 9">
+              <a:extLst>
+                <a:ext uri="{FF2B5EF4-FFF2-40B4-BE49-F238E27FC236}">
+                  <a16:creationId xmlns:a16="http://schemas.microsoft.com/office/drawing/2014/main" id="{22926536-2B63-439C-9AF9-48636AB54FD0}"/>
+                </a:ext>
+              </a:extLst>
+            </p:cNvPr>
+            <p:cNvSpPr txBox="1"/>
+            <p:nvPr/>
+          </p:nvSpPr>
+          <p:spPr>
+            <a:xfrm>
+              <a:off x="874254" y="4649214"/>
+              <a:ext cx="4042692" cy="369332"/>
+            </a:xfrm>
+            <a:prstGeom prst="rect">
+              <a:avLst/>
+            </a:prstGeom>
+            <a:solidFill>
+              <a:schemeClr val="accent4">
+                <a:lumMod val="60000"/>
+                <a:lumOff val="40000"/>
+              </a:schemeClr>
+            </a:solidFill>
+          </p:spPr>
+          <p:txBody>
+            <a:bodyPr wrap="square" rtlCol="0">
+              <a:spAutoFit/>
+            </a:bodyPr>
+            <a:lstStyle/>
+            <a:p>
+              <a:r>
+                <a:rPr lang="en-US" altLang="ko-KR" dirty="0">
+                  <a:latin typeface="상주다정다감체" panose="020B0600000101010101" pitchFamily="50" charset="-127"/>
+                  <a:ea typeface="상주다정다감체" panose="020B0600000101010101" pitchFamily="50" charset="-127"/>
+                </a:rPr>
+                <a:t>2. </a:t>
+              </a:r>
+              <a:r>
+                <a:rPr lang="ko-KR" altLang="en-US" dirty="0" err="1">
+                  <a:latin typeface="상주다정다감체" panose="020B0600000101010101" pitchFamily="50" charset="-127"/>
+                  <a:ea typeface="상주다정다감체" panose="020B0600000101010101" pitchFamily="50" charset="-127"/>
+                </a:rPr>
+                <a:t>리액트</a:t>
+              </a:r>
+              <a:r>
+                <a:rPr lang="ko-KR" altLang="en-US" dirty="0">
+                  <a:latin typeface="상주다정다감체" panose="020B0600000101010101" pitchFamily="50" charset="-127"/>
+                  <a:ea typeface="상주다정다감체" panose="020B0600000101010101" pitchFamily="50" charset="-127"/>
+                </a:rPr>
+                <a:t> </a:t>
+              </a:r>
+              <a:r>
+                <a:rPr lang="en-US" altLang="ko-KR" dirty="0">
+                  <a:latin typeface="상주다정다감체" panose="020B0600000101010101" pitchFamily="50" charset="-127"/>
+                  <a:ea typeface="상주다정다감체" panose="020B0600000101010101" pitchFamily="50" charset="-127"/>
+                </a:rPr>
+                <a:t>-&gt; </a:t>
+              </a:r>
+              <a:r>
+                <a:rPr lang="ko-KR" altLang="en-US" dirty="0" err="1">
+                  <a:latin typeface="상주다정다감체" panose="020B0600000101010101" pitchFamily="50" charset="-127"/>
+                  <a:ea typeface="상주다정다감체" panose="020B0600000101010101" pitchFamily="50" charset="-127"/>
+                </a:rPr>
+                <a:t>리액트</a:t>
+              </a:r>
+              <a:r>
+                <a:rPr lang="ko-KR" altLang="en-US" dirty="0">
+                  <a:latin typeface="상주다정다감체" panose="020B0600000101010101" pitchFamily="50" charset="-127"/>
+                  <a:ea typeface="상주다정다감체" panose="020B0600000101010101" pitchFamily="50" charset="-127"/>
+                </a:rPr>
+                <a:t> 네이티브 </a:t>
+              </a:r>
+              <a:r>
+                <a:rPr lang="en-US" altLang="ko-KR" dirty="0">
+                  <a:latin typeface="상주다정다감체" panose="020B0600000101010101" pitchFamily="50" charset="-127"/>
+                  <a:ea typeface="상주다정다감체" panose="020B0600000101010101" pitchFamily="50" charset="-127"/>
+                </a:rPr>
+                <a:t>( </a:t>
+              </a:r>
+              <a:r>
+                <a:rPr lang="en-US" altLang="ko-KR" dirty="0" err="1">
+                  <a:latin typeface="상주다정다감체" panose="020B0600000101010101" pitchFamily="50" charset="-127"/>
+                  <a:ea typeface="상주다정다감체" panose="020B0600000101010101" pitchFamily="50" charset="-127"/>
+                </a:rPr>
+                <a:t>todo</a:t>
+              </a:r>
+              <a:r>
+                <a:rPr lang="en-US" altLang="ko-KR" dirty="0">
+                  <a:latin typeface="상주다정다감체" panose="020B0600000101010101" pitchFamily="50" charset="-127"/>
+                  <a:ea typeface="상주다정다감체" panose="020B0600000101010101" pitchFamily="50" charset="-127"/>
+                </a:rPr>
+                <a:t> list + </a:t>
+              </a:r>
+              <a:r>
+                <a:rPr lang="ko-KR" altLang="en-US" dirty="0">
+                  <a:latin typeface="상주다정다감체" panose="020B0600000101010101" pitchFamily="50" charset="-127"/>
+                  <a:ea typeface="상주다정다감체" panose="020B0600000101010101" pitchFamily="50" charset="-127"/>
+                </a:rPr>
+                <a:t>날씨 </a:t>
+              </a:r>
+              <a:r>
+                <a:rPr lang="en-US" altLang="ko-KR" dirty="0" err="1">
+                  <a:latin typeface="상주다정다감체" panose="020B0600000101010101" pitchFamily="50" charset="-127"/>
+                  <a:ea typeface="상주다정다감체" panose="020B0600000101010101" pitchFamily="50" charset="-127"/>
+                </a:rPr>
+                <a:t>api</a:t>
+              </a:r>
+              <a:r>
+                <a:rPr lang="en-US" altLang="ko-KR" dirty="0">
+                  <a:latin typeface="상주다정다감체" panose="020B0600000101010101" pitchFamily="50" charset="-127"/>
+                  <a:ea typeface="상주다정다감체" panose="020B0600000101010101" pitchFamily="50" charset="-127"/>
+                </a:rPr>
+                <a:t>)</a:t>
+              </a:r>
+              <a:endParaRPr lang="ko-KR" altLang="en-US" dirty="0">
+                <a:latin typeface="상주다정다감체" panose="020B0600000101010101" pitchFamily="50" charset="-127"/>
+                <a:ea typeface="상주다정다감체" panose="020B0600000101010101" pitchFamily="50" charset="-127"/>
+              </a:endParaRPr>
+            </a:p>
+          </p:txBody>
+        </p:sp>
+        <p:sp>
+          <p:nvSpPr>
+            <p:cNvPr id="11" name="TextBox 10">
+              <a:extLst>
+                <a:ext uri="{FF2B5EF4-FFF2-40B4-BE49-F238E27FC236}">
+                  <a16:creationId xmlns:a16="http://schemas.microsoft.com/office/drawing/2014/main" id="{FF45DC75-C1C3-4974-90F9-09C619B62B5A}"/>
+                </a:ext>
+              </a:extLst>
+            </p:cNvPr>
+            <p:cNvSpPr txBox="1"/>
+            <p:nvPr/>
+          </p:nvSpPr>
+          <p:spPr>
+            <a:xfrm>
+              <a:off x="874254" y="5155226"/>
+              <a:ext cx="4042692" cy="646331"/>
+            </a:xfrm>
+            <a:prstGeom prst="rect">
+              <a:avLst/>
+            </a:prstGeom>
+            <a:solidFill>
+              <a:schemeClr val="accent4">
+                <a:lumMod val="60000"/>
+                <a:lumOff val="40000"/>
+              </a:schemeClr>
+            </a:solidFill>
+          </p:spPr>
+          <p:txBody>
+            <a:bodyPr wrap="square" rtlCol="0">
+              <a:spAutoFit/>
+            </a:bodyPr>
+            <a:lstStyle/>
+            <a:p>
+              <a:r>
+                <a:rPr lang="en-US" altLang="ko-KR" dirty="0">
+                  <a:latin typeface="상주다정다감체" panose="020B0600000101010101" pitchFamily="50" charset="-127"/>
+                  <a:ea typeface="상주다정다감체" panose="020B0600000101010101" pitchFamily="50" charset="-127"/>
+                </a:rPr>
+                <a:t>a) </a:t>
+              </a:r>
+              <a:r>
+                <a:rPr lang="ko-KR" altLang="en-US" dirty="0" err="1">
+                  <a:latin typeface="상주다정다감체" panose="020B0600000101010101" pitchFamily="50" charset="-127"/>
+                  <a:ea typeface="상주다정다감체" panose="020B0600000101010101" pitchFamily="50" charset="-127"/>
+                </a:rPr>
+                <a:t>노마드코더</a:t>
+              </a:r>
+              <a:r>
+                <a:rPr lang="ko-KR" altLang="en-US" dirty="0">
+                  <a:latin typeface="상주다정다감체" panose="020B0600000101010101" pitchFamily="50" charset="-127"/>
+                  <a:ea typeface="상주다정다감체" panose="020B0600000101010101" pitchFamily="50" charset="-127"/>
+                </a:rPr>
+                <a:t> </a:t>
+              </a:r>
+              <a:r>
+                <a:rPr lang="en-US" altLang="ko-KR" dirty="0">
+                  <a:latin typeface="상주다정다감체" panose="020B0600000101010101" pitchFamily="50" charset="-127"/>
+                  <a:ea typeface="상주다정다감체" panose="020B0600000101010101" pitchFamily="50" charset="-127"/>
+                </a:rPr>
+                <a:t>– </a:t>
+              </a:r>
+              <a:r>
+                <a:rPr lang="ko-KR" altLang="en-US" dirty="0" err="1">
+                  <a:latin typeface="상주다정다감체" panose="020B0600000101010101" pitchFamily="50" charset="-127"/>
+                  <a:ea typeface="상주다정다감체" panose="020B0600000101010101" pitchFamily="50" charset="-127"/>
+                </a:rPr>
+                <a:t>리액트</a:t>
+              </a:r>
+              <a:r>
+                <a:rPr lang="ko-KR" altLang="en-US" dirty="0">
+                  <a:latin typeface="상주다정다감체" panose="020B0600000101010101" pitchFamily="50" charset="-127"/>
+                  <a:ea typeface="상주다정다감체" panose="020B0600000101010101" pitchFamily="50" charset="-127"/>
+                </a:rPr>
+                <a:t> 영화 사이트 만들기 강의</a:t>
+              </a:r>
+              <a:endParaRPr lang="en-US" altLang="ko-KR" dirty="0">
+                <a:latin typeface="상주다정다감체" panose="020B0600000101010101" pitchFamily="50" charset="-127"/>
+                <a:ea typeface="상주다정다감체" panose="020B0600000101010101" pitchFamily="50" charset="-127"/>
+              </a:endParaRPr>
+            </a:p>
+            <a:p>
+              <a:r>
+                <a:rPr lang="en-US" altLang="ko-KR" dirty="0">
+                  <a:latin typeface="상주다정다감체" panose="020B0600000101010101" pitchFamily="50" charset="-127"/>
+                  <a:ea typeface="상주다정다감체" panose="020B0600000101010101" pitchFamily="50" charset="-127"/>
+                </a:rPr>
+                <a:t>b) </a:t>
+              </a:r>
+              <a:r>
+                <a:rPr lang="ko-KR" altLang="en-US" dirty="0" err="1">
+                  <a:latin typeface="상주다정다감체" panose="020B0600000101010101" pitchFamily="50" charset="-127"/>
+                  <a:ea typeface="상주다정다감체" panose="020B0600000101010101" pitchFamily="50" charset="-127"/>
+                </a:rPr>
+                <a:t>노마드코더</a:t>
+              </a:r>
+              <a:r>
+                <a:rPr lang="ko-KR" altLang="en-US" dirty="0">
+                  <a:latin typeface="상주다정다감체" panose="020B0600000101010101" pitchFamily="50" charset="-127"/>
+                  <a:ea typeface="상주다정다감체" panose="020B0600000101010101" pitchFamily="50" charset="-127"/>
+                </a:rPr>
+                <a:t> </a:t>
+              </a:r>
+              <a:r>
+                <a:rPr lang="en-US" altLang="ko-KR" dirty="0">
+                  <a:latin typeface="상주다정다감체" panose="020B0600000101010101" pitchFamily="50" charset="-127"/>
+                  <a:ea typeface="상주다정다감체" panose="020B0600000101010101" pitchFamily="50" charset="-127"/>
+                </a:rPr>
+                <a:t>– </a:t>
+              </a:r>
+              <a:r>
+                <a:rPr lang="ko-KR" altLang="en-US" dirty="0" err="1">
+                  <a:latin typeface="상주다정다감체" panose="020B0600000101010101" pitchFamily="50" charset="-127"/>
+                  <a:ea typeface="상주다정다감체" panose="020B0600000101010101" pitchFamily="50" charset="-127"/>
+                </a:rPr>
+                <a:t>리액트네이티브</a:t>
+              </a:r>
+              <a:r>
+                <a:rPr lang="ko-KR" altLang="en-US" dirty="0">
+                  <a:latin typeface="상주다정다감체" panose="020B0600000101010101" pitchFamily="50" charset="-127"/>
+                  <a:ea typeface="상주다정다감체" panose="020B0600000101010101" pitchFamily="50" charset="-127"/>
+                </a:rPr>
+                <a:t> </a:t>
+              </a:r>
+              <a:r>
+                <a:rPr lang="ko-KR" altLang="en-US" dirty="0" err="1">
+                  <a:latin typeface="상주다정다감체" panose="020B0600000101010101" pitchFamily="50" charset="-127"/>
+                  <a:ea typeface="상주다정다감체" panose="020B0600000101010101" pitchFamily="50" charset="-127"/>
+                </a:rPr>
+                <a:t>투두</a:t>
+              </a:r>
+              <a:r>
+                <a:rPr lang="ko-KR" altLang="en-US" dirty="0">
+                  <a:latin typeface="상주다정다감체" panose="020B0600000101010101" pitchFamily="50" charset="-127"/>
+                  <a:ea typeface="상주다정다감체" panose="020B0600000101010101" pitchFamily="50" charset="-127"/>
+                </a:rPr>
+                <a:t> 리스트 강의</a:t>
+              </a:r>
+            </a:p>
+          </p:txBody>
+        </p:sp>
+        <p:sp>
+          <p:nvSpPr>
+            <p:cNvPr id="12" name="TextBox 11">
+              <a:extLst>
+                <a:ext uri="{FF2B5EF4-FFF2-40B4-BE49-F238E27FC236}">
+                  <a16:creationId xmlns:a16="http://schemas.microsoft.com/office/drawing/2014/main" id="{AE4AE90D-0059-45BB-8E0A-B9CAC28697EB}"/>
+                </a:ext>
+              </a:extLst>
+            </p:cNvPr>
+            <p:cNvSpPr txBox="1"/>
+            <p:nvPr/>
+          </p:nvSpPr>
+          <p:spPr>
+            <a:xfrm>
+              <a:off x="874254" y="6007845"/>
+              <a:ext cx="4042692" cy="646331"/>
+            </a:xfrm>
+            <a:prstGeom prst="rect">
+              <a:avLst/>
+            </a:prstGeom>
+            <a:solidFill>
+              <a:schemeClr val="accent1">
+                <a:lumMod val="60000"/>
+                <a:lumOff val="40000"/>
+              </a:schemeClr>
+            </a:solidFill>
+          </p:spPr>
+          <p:txBody>
+            <a:bodyPr wrap="square" rtlCol="0">
+              <a:spAutoFit/>
+            </a:bodyPr>
+            <a:lstStyle/>
+            <a:p>
+              <a:r>
+                <a:rPr lang="ko-KR" altLang="en-US" dirty="0" err="1">
+                  <a:latin typeface="상주다정다감체" panose="020B0600000101010101" pitchFamily="50" charset="-127"/>
+                  <a:ea typeface="상주다정다감체" panose="020B0600000101010101" pitchFamily="50" charset="-127"/>
+                </a:rPr>
+                <a:t>리액트</a:t>
+              </a:r>
+              <a:r>
+                <a:rPr lang="ko-KR" altLang="en-US" dirty="0">
+                  <a:latin typeface="상주다정다감체" panose="020B0600000101010101" pitchFamily="50" charset="-127"/>
+                  <a:ea typeface="상주다정다감체" panose="020B0600000101010101" pitchFamily="50" charset="-127"/>
+                </a:rPr>
+                <a:t> 네이티브는 </a:t>
+              </a:r>
+              <a:r>
+                <a:rPr lang="en-US" altLang="ko-KR" dirty="0" err="1">
+                  <a:latin typeface="상주다정다감체" panose="020B0600000101010101" pitchFamily="50" charset="-127"/>
+                  <a:ea typeface="상주다정다감체" panose="020B0600000101010101" pitchFamily="50" charset="-127"/>
+                </a:rPr>
+                <a:t>js</a:t>
+              </a:r>
+              <a:r>
+                <a:rPr lang="ko-KR" altLang="en-US" dirty="0">
+                  <a:latin typeface="상주다정다감체" panose="020B0600000101010101" pitchFamily="50" charset="-127"/>
+                  <a:ea typeface="상주다정다감체" panose="020B0600000101010101" pitchFamily="50" charset="-127"/>
+                </a:rPr>
+                <a:t>로 모바일 앱을 컨트롤하는 것에 더 초점을 둔 </a:t>
+              </a:r>
+              <a:r>
+                <a:rPr lang="ko-KR" altLang="en-US" dirty="0" err="1">
+                  <a:latin typeface="상주다정다감체" panose="020B0600000101010101" pitchFamily="50" charset="-127"/>
+                  <a:ea typeface="상주다정다감체" panose="020B0600000101010101" pitchFamily="50" charset="-127"/>
+                </a:rPr>
+                <a:t>언어인듯</a:t>
+              </a:r>
+              <a:r>
+                <a:rPr lang="ko-KR" altLang="en-US" dirty="0">
+                  <a:latin typeface="상주다정다감체" panose="020B0600000101010101" pitchFamily="50" charset="-127"/>
+                  <a:ea typeface="상주다정다감체" panose="020B0600000101010101" pitchFamily="50" charset="-127"/>
+                </a:rPr>
+                <a:t> 합니다</a:t>
+              </a:r>
+              <a:r>
+                <a:rPr lang="en-US" altLang="ko-KR" dirty="0">
+                  <a:latin typeface="상주다정다감체" panose="020B0600000101010101" pitchFamily="50" charset="-127"/>
+                  <a:ea typeface="상주다정다감체" panose="020B0600000101010101" pitchFamily="50" charset="-127"/>
+                </a:rPr>
+                <a:t>! </a:t>
+              </a:r>
+              <a:endParaRPr lang="ko-KR" altLang="en-US" dirty="0">
+                <a:latin typeface="상주다정다감체" panose="020B0600000101010101" pitchFamily="50" charset="-127"/>
+                <a:ea typeface="상주다정다감체" panose="020B0600000101010101" pitchFamily="50" charset="-127"/>
+              </a:endParaRPr>
+            </a:p>
+          </p:txBody>
+        </p:sp>
+      </p:grpSp>
+    </p:spTree>
+    <p:extLst>
+      <p:ext uri="{BB962C8B-B14F-4D97-AF65-F5344CB8AC3E}">
+        <p14:creationId xmlns:p14="http://schemas.microsoft.com/office/powerpoint/2010/main" val="4010527838"/>
+      </p:ext>
+    </p:extLst>
+  </p:cSld>
+  <p:clrMapOvr>
+    <a:masterClrMapping/>
+  </p:clrMapOvr>
+</p:sld>
+</file>
+
 <file path=ppt/theme/theme1.xml><?xml version="1.0" encoding="utf-8"?>
-<a:theme xmlns:a="http://schemas.openxmlformats.org/drawingml/2006/main" name="Office 테마">
+<a:theme xmlns:a="http://schemas.openxmlformats.org/drawingml/2006/main" name="HDOfficeLightV0">
   <a:themeElements>
     <a:clrScheme name="Office">
       <a:dk1>
@@ -4355,7 +5203,7 @@
         <a:srgbClr val="E7E6E6"/>
       </a:lt2>
       <a:accent1>
-        <a:srgbClr val="4472C4"/>
+        <a:srgbClr val="5B9BD5"/>
       </a:accent1>
       <a:accent2>
         <a:srgbClr val="ED7D31"/>
@@ -4367,7 +5215,7 @@
         <a:srgbClr val="FFC000"/>
       </a:accent4>
       <a:accent5>
-        <a:srgbClr val="5B9BD5"/>
+        <a:srgbClr val="4472C4"/>
       </a:accent5>
       <a:accent6>
         <a:srgbClr val="70AD47"/>
@@ -4381,12 +5229,12 @@
     </a:clrScheme>
     <a:fontScheme name="Office">
       <a:majorFont>
-        <a:latin typeface="맑은 고딕" panose="020F0302020204030204"/>
+        <a:latin typeface="Calibri Light"/>
         <a:ea typeface=""/>
         <a:cs typeface=""/>
-        <a:font script="Jpan" typeface="游ゴシック Light"/>
+        <a:font script="Jpan" typeface="ＭＳ Ｐゴシック"/>
         <a:font script="Hang" typeface="맑은 고딕"/>
-        <a:font script="Hans" typeface="等线 Light"/>
+        <a:font script="Hans" typeface="宋体"/>
         <a:font script="Hant" typeface="新細明體"/>
         <a:font script="Arab" typeface="Times New Roman"/>
         <a:font script="Hebr" typeface="Times New Roman"/>
@@ -4414,31 +5262,14 @@
         <a:font script="Viet" typeface="Times New Roman"/>
         <a:font script="Uigh" typeface="Microsoft Uighur"/>
         <a:font script="Geor" typeface="Sylfaen"/>
-        <a:font script="Armn" typeface="Arial"/>
-        <a:font script="Bugi" typeface="Leelawadee UI"/>
-        <a:font script="Bopo" typeface="Microsoft JhengHei"/>
-        <a:font script="Java" typeface="Javanese Text"/>
-        <a:font script="Lisu" typeface="Segoe UI"/>
-        <a:font script="Mymr" typeface="Myanmar Text"/>
-        <a:font script="Nkoo" typeface="Ebrima"/>
-        <a:font script="Olck" typeface="Nirmala UI"/>
-        <a:font script="Osma" typeface="Ebrima"/>
-        <a:font script="Phag" typeface="Phagspa"/>
-        <a:font script="Syrn" typeface="Estrangelo Edessa"/>
-        <a:font script="Syrj" typeface="Estrangelo Edessa"/>
-        <a:font script="Syre" typeface="Estrangelo Edessa"/>
-        <a:font script="Sora" typeface="Nirmala UI"/>
-        <a:font script="Tale" typeface="Microsoft Tai Le"/>
-        <a:font script="Talu" typeface="Microsoft New Tai Lue"/>
-        <a:font script="Tfng" typeface="Ebrima"/>
       </a:majorFont>
       <a:minorFont>
-        <a:latin typeface="맑은 고딕" panose="020F0502020204030204"/>
+        <a:latin typeface="Calibri"/>
         <a:ea typeface=""/>
         <a:cs typeface=""/>
-        <a:font script="Jpan" typeface="游ゴシック"/>
+        <a:font script="Jpan" typeface="ＭＳ Ｐゴシック"/>
         <a:font script="Hang" typeface="맑은 고딕"/>
-        <a:font script="Hans" typeface="等线"/>
+        <a:font script="Hans" typeface="宋体"/>
         <a:font script="Hant" typeface="新細明體"/>
         <a:font script="Arab" typeface="Arial"/>
         <a:font script="Hebr" typeface="Arial"/>
@@ -4466,23 +5297,6 @@
         <a:font script="Viet" typeface="Arial"/>
         <a:font script="Uigh" typeface="Microsoft Uighur"/>
         <a:font script="Geor" typeface="Sylfaen"/>
-        <a:font script="Armn" typeface="Arial"/>
-        <a:font script="Bugi" typeface="Leelawadee UI"/>
-        <a:font script="Bopo" typeface="Microsoft JhengHei"/>
-        <a:font script="Java" typeface="Javanese Text"/>
-        <a:font script="Lisu" typeface="Segoe UI"/>
-        <a:font script="Mymr" typeface="Myanmar Text"/>
-        <a:font script="Nkoo" typeface="Ebrima"/>
-        <a:font script="Olck" typeface="Nirmala UI"/>
-        <a:font script="Osma" typeface="Ebrima"/>
-        <a:font script="Phag" typeface="Phagspa"/>
-        <a:font script="Syrn" typeface="Estrangelo Edessa"/>
-        <a:font script="Syrj" typeface="Estrangelo Edessa"/>
-        <a:font script="Syre" typeface="Estrangelo Edessa"/>
-        <a:font script="Sora" typeface="Nirmala UI"/>
-        <a:font script="Tale" typeface="Microsoft Tai Le"/>
-        <a:font script="Talu" typeface="Microsoft New Tai Lue"/>
-        <a:font script="Tfng" typeface="Ebrima"/>
       </a:minorFont>
     </a:fontScheme>
     <a:fmtScheme name="Office">
@@ -4494,23 +5308,23 @@
           <a:gsLst>
             <a:gs pos="0">
               <a:schemeClr val="phClr">
+                <a:tint val="67000"/>
+                <a:satMod val="105000"/>
                 <a:lumMod val="110000"/>
-                <a:satMod val="105000"/>
-                <a:tint val="67000"/>
               </a:schemeClr>
             </a:gs>
             <a:gs pos="50000">
               <a:schemeClr val="phClr">
+                <a:tint val="73000"/>
+                <a:satMod val="103000"/>
                 <a:lumMod val="105000"/>
-                <a:satMod val="103000"/>
-                <a:tint val="73000"/>
               </a:schemeClr>
             </a:gs>
             <a:gs pos="100000">
               <a:schemeClr val="phClr">
+                <a:tint val="81000"/>
+                <a:satMod val="109000"/>
                 <a:lumMod val="105000"/>
-                <a:satMod val="109000"/>
-                <a:tint val="81000"/>
               </a:schemeClr>
             </a:gs>
           </a:gsLst>
@@ -4520,23 +5334,23 @@
           <a:gsLst>
             <a:gs pos="0">
               <a:schemeClr val="phClr">
+                <a:tint val="94000"/>
                 <a:satMod val="103000"/>
                 <a:lumMod val="102000"/>
-                <a:tint val="94000"/>
               </a:schemeClr>
             </a:gs>
             <a:gs pos="50000">
               <a:schemeClr val="phClr">
+                <a:shade val="100000"/>
                 <a:satMod val="110000"/>
                 <a:lumMod val="100000"/>
-                <a:shade val="100000"/>
               </a:schemeClr>
             </a:gs>
             <a:gs pos="100000">
               <a:schemeClr val="phClr">
+                <a:shade val="78000"/>
+                <a:satMod val="120000"/>
                 <a:lumMod val="99000"/>
-                <a:satMod val="120000"/>
-                <a:shade val="78000"/>
               </a:schemeClr>
             </a:gs>
           </a:gsLst>
@@ -4549,21 +5363,18 @@
             <a:schemeClr val="phClr"/>
           </a:solidFill>
           <a:prstDash val="solid"/>
-          <a:miter lim="800000"/>
         </a:ln>
         <a:ln w="12700" cap="flat" cmpd="sng" algn="ctr">
           <a:solidFill>
             <a:schemeClr val="phClr"/>
           </a:solidFill>
           <a:prstDash val="solid"/>
-          <a:miter lim="800000"/>
         </a:ln>
         <a:ln w="19050" cap="flat" cmpd="sng" algn="ctr">
           <a:solidFill>
             <a:schemeClr val="phClr"/>
           </a:solidFill>
           <a:prstDash val="solid"/>
-          <a:miter lim="800000"/>
         </a:ln>
       </a:lnStyleLst>
       <a:effectStyleLst>
@@ -4598,16 +5409,16 @@
             <a:gs pos="0">
               <a:schemeClr val="phClr">
                 <a:tint val="93000"/>
+                <a:shade val="98000"/>
                 <a:satMod val="150000"/>
-                <a:shade val="98000"/>
                 <a:lumMod val="102000"/>
               </a:schemeClr>
             </a:gs>
             <a:gs pos="50000">
               <a:schemeClr val="phClr">
                 <a:tint val="98000"/>
+                <a:shade val="90000"/>
                 <a:satMod val="130000"/>
-                <a:shade val="90000"/>
                 <a:lumMod val="103000"/>
               </a:schemeClr>
             </a:gs>
@@ -4625,11 +5436,6 @@
   </a:themeElements>
   <a:objectDefaults/>
   <a:extraClrSchemeLst/>
-  <a:extLst>
-    <a:ext uri="{05A4C25C-085E-4340-85A3-A5531E510DB2}">
-      <thm15:themeFamily xmlns:thm15="http://schemas.microsoft.com/office/thememl/2012/main" name="Office Theme" id="{62F939B6-93AF-4DB8-9C6B-D6C7DFDC589F}" vid="{4A3C46E8-61CC-4603-A589-7422A47A8E4A}"/>
-    </a:ext>
-  </a:extLst>
 </a:theme>
 </file>
 
